--- a/Idea/Idea.pptx
+++ b/Idea/Idea.pptx
@@ -5,10 +5,12 @@
     <p:sldMasterId id="2147483648" r:id="rId1"/>
   </p:sldMasterIdLst>
   <p:notesMasterIdLst>
-    <p:notesMasterId r:id="rId3"/>
+    <p:notesMasterId r:id="rId5"/>
   </p:notesMasterIdLst>
   <p:sldIdLst>
     <p:sldId id="422" r:id="rId2"/>
+    <p:sldId id="423" r:id="rId3"/>
+    <p:sldId id="424" r:id="rId4"/>
   </p:sldIdLst>
   <p:sldSz cx="12192000" cy="6858000"/>
   <p:notesSz cx="6858000" cy="9144000"/>
@@ -107,6 +109,11 @@
       </a:defRPr>
     </a:lvl9pPr>
   </p:defaultTextStyle>
+  <p:extLst>
+    <p:ext uri="{EFAFB233-063F-42B5-8137-9DF3F51BA10A}">
+      <p15:sldGuideLst xmlns:p15="http://schemas.microsoft.com/office/powerpoint/2012/main"/>
+    </p:ext>
+  </p:extLst>
 </p:presentation>
 </file>
 
@@ -192,7 +199,7 @@
           <a:p>
             <a:fld id="{A4BC4CA6-9B1B-4F0C-9FFF-DEDE97ABB005}" type="datetimeFigureOut">
               <a:rPr lang="it-IT" smtClean="0"/>
-              <a:t>22/01/2025</a:t>
+              <a:t>27/01/2025</a:t>
             </a:fld>
             <a:endParaRPr lang="it-IT"/>
           </a:p>
@@ -567,6 +574,222 @@
 </p:notes>
 </file>
 
+<file path=ppt/notesSlides/notesSlide2.xml><?xml version="1.0" encoding="utf-8"?>
+<p:notes xmlns:a="http://schemas.openxmlformats.org/drawingml/2006/main" xmlns:r="http://schemas.openxmlformats.org/officeDocument/2006/relationships" xmlns:p="http://schemas.openxmlformats.org/presentationml/2006/main">
+  <p:cSld>
+    <p:spTree>
+      <p:nvGrpSpPr>
+        <p:cNvPr id="1" name="">
+          <a:extLst>
+            <a:ext uri="{FF2B5EF4-FFF2-40B4-BE49-F238E27FC236}">
+              <a16:creationId xmlns:a16="http://schemas.microsoft.com/office/drawing/2014/main" id="{7EF0AEFD-2A82-C663-0D2D-D025DD95DABE}"/>
+            </a:ext>
+          </a:extLst>
+        </p:cNvPr>
+        <p:cNvGrpSpPr/>
+        <p:nvPr/>
+      </p:nvGrpSpPr>
+      <p:grpSpPr>
+        <a:xfrm>
+          <a:off x="0" y="0"/>
+          <a:ext cx="0" cy="0"/>
+          <a:chOff x="0" y="0"/>
+          <a:chExt cx="0" cy="0"/>
+        </a:xfrm>
+      </p:grpSpPr>
+      <p:sp>
+        <p:nvSpPr>
+          <p:cNvPr id="2" name="Segnaposto immagine diapositiva 1">
+            <a:extLst>
+              <a:ext uri="{FF2B5EF4-FFF2-40B4-BE49-F238E27FC236}">
+                <a16:creationId xmlns:a16="http://schemas.microsoft.com/office/drawing/2014/main" id="{286D13F7-A983-6F1C-73D4-5058D7254DFE}"/>
+              </a:ext>
+            </a:extLst>
+          </p:cNvPr>
+          <p:cNvSpPr>
+            <a:spLocks noGrp="1" noRot="1" noChangeAspect="1"/>
+          </p:cNvSpPr>
+          <p:nvPr>
+            <p:ph type="sldImg"/>
+          </p:nvPr>
+        </p:nvSpPr>
+        <p:spPr/>
+      </p:sp>
+      <p:sp>
+        <p:nvSpPr>
+          <p:cNvPr id="3" name="Segnaposto note 2">
+            <a:extLst>
+              <a:ext uri="{FF2B5EF4-FFF2-40B4-BE49-F238E27FC236}">
+                <a16:creationId xmlns:a16="http://schemas.microsoft.com/office/drawing/2014/main" id="{90FD00DE-CD2D-AFE8-DD61-CF6FE38FF9B8}"/>
+              </a:ext>
+            </a:extLst>
+          </p:cNvPr>
+          <p:cNvSpPr>
+            <a:spLocks noGrp="1"/>
+          </p:cNvSpPr>
+          <p:nvPr>
+            <p:ph type="body" idx="1"/>
+          </p:nvPr>
+        </p:nvSpPr>
+        <p:spPr/>
+        <p:txBody>
+          <a:bodyPr/>
+          <a:lstStyle/>
+          <a:p>
+            <a:endParaRPr lang="it-IT" dirty="0"/>
+          </a:p>
+        </p:txBody>
+      </p:sp>
+      <p:sp>
+        <p:nvSpPr>
+          <p:cNvPr id="4" name="Segnaposto numero diapositiva 3">
+            <a:extLst>
+              <a:ext uri="{FF2B5EF4-FFF2-40B4-BE49-F238E27FC236}">
+                <a16:creationId xmlns:a16="http://schemas.microsoft.com/office/drawing/2014/main" id="{7205017B-AF40-C5F7-37E3-779FCBC1E289}"/>
+              </a:ext>
+            </a:extLst>
+          </p:cNvPr>
+          <p:cNvSpPr>
+            <a:spLocks noGrp="1"/>
+          </p:cNvSpPr>
+          <p:nvPr>
+            <p:ph type="sldNum" sz="quarter" idx="5"/>
+          </p:nvPr>
+        </p:nvSpPr>
+        <p:spPr/>
+        <p:txBody>
+          <a:bodyPr/>
+          <a:lstStyle/>
+          <a:p>
+            <a:fld id="{3F2DB5A4-1ADC-4498-B442-720211AEF2E0}" type="slidenum">
+              <a:rPr lang="it-IT" smtClean="0"/>
+              <a:t>2</a:t>
+            </a:fld>
+            <a:endParaRPr lang="it-IT"/>
+          </a:p>
+        </p:txBody>
+      </p:sp>
+    </p:spTree>
+    <p:extLst>
+      <p:ext uri="{BB962C8B-B14F-4D97-AF65-F5344CB8AC3E}">
+        <p14:creationId xmlns:p14="http://schemas.microsoft.com/office/powerpoint/2010/main" val="324543063"/>
+      </p:ext>
+    </p:extLst>
+  </p:cSld>
+  <p:clrMapOvr>
+    <a:masterClrMapping/>
+  </p:clrMapOvr>
+</p:notes>
+</file>
+
+<file path=ppt/notesSlides/notesSlide3.xml><?xml version="1.0" encoding="utf-8"?>
+<p:notes xmlns:a="http://schemas.openxmlformats.org/drawingml/2006/main" xmlns:r="http://schemas.openxmlformats.org/officeDocument/2006/relationships" xmlns:p="http://schemas.openxmlformats.org/presentationml/2006/main">
+  <p:cSld>
+    <p:spTree>
+      <p:nvGrpSpPr>
+        <p:cNvPr id="1" name="">
+          <a:extLst>
+            <a:ext uri="{FF2B5EF4-FFF2-40B4-BE49-F238E27FC236}">
+              <a16:creationId xmlns:a16="http://schemas.microsoft.com/office/drawing/2014/main" id="{D639224E-ADE0-DB2A-0378-0DAAC6E4FE93}"/>
+            </a:ext>
+          </a:extLst>
+        </p:cNvPr>
+        <p:cNvGrpSpPr/>
+        <p:nvPr/>
+      </p:nvGrpSpPr>
+      <p:grpSpPr>
+        <a:xfrm>
+          <a:off x="0" y="0"/>
+          <a:ext cx="0" cy="0"/>
+          <a:chOff x="0" y="0"/>
+          <a:chExt cx="0" cy="0"/>
+        </a:xfrm>
+      </p:grpSpPr>
+      <p:sp>
+        <p:nvSpPr>
+          <p:cNvPr id="2" name="Segnaposto immagine diapositiva 1">
+            <a:extLst>
+              <a:ext uri="{FF2B5EF4-FFF2-40B4-BE49-F238E27FC236}">
+                <a16:creationId xmlns:a16="http://schemas.microsoft.com/office/drawing/2014/main" id="{93BBB30F-2C7D-28D6-6ECE-C60975EE97C9}"/>
+              </a:ext>
+            </a:extLst>
+          </p:cNvPr>
+          <p:cNvSpPr>
+            <a:spLocks noGrp="1" noRot="1" noChangeAspect="1"/>
+          </p:cNvSpPr>
+          <p:nvPr>
+            <p:ph type="sldImg"/>
+          </p:nvPr>
+        </p:nvSpPr>
+        <p:spPr/>
+      </p:sp>
+      <p:sp>
+        <p:nvSpPr>
+          <p:cNvPr id="3" name="Segnaposto note 2">
+            <a:extLst>
+              <a:ext uri="{FF2B5EF4-FFF2-40B4-BE49-F238E27FC236}">
+                <a16:creationId xmlns:a16="http://schemas.microsoft.com/office/drawing/2014/main" id="{0792EA47-ADB5-B136-8439-CC586BCD624A}"/>
+              </a:ext>
+            </a:extLst>
+          </p:cNvPr>
+          <p:cNvSpPr>
+            <a:spLocks noGrp="1"/>
+          </p:cNvSpPr>
+          <p:nvPr>
+            <p:ph type="body" idx="1"/>
+          </p:nvPr>
+        </p:nvSpPr>
+        <p:spPr/>
+        <p:txBody>
+          <a:bodyPr/>
+          <a:lstStyle/>
+          <a:p>
+            <a:endParaRPr lang="it-IT" dirty="0"/>
+          </a:p>
+        </p:txBody>
+      </p:sp>
+      <p:sp>
+        <p:nvSpPr>
+          <p:cNvPr id="4" name="Segnaposto numero diapositiva 3">
+            <a:extLst>
+              <a:ext uri="{FF2B5EF4-FFF2-40B4-BE49-F238E27FC236}">
+                <a16:creationId xmlns:a16="http://schemas.microsoft.com/office/drawing/2014/main" id="{90633FD4-49AF-8C3B-298A-B27F9577E4E4}"/>
+              </a:ext>
+            </a:extLst>
+          </p:cNvPr>
+          <p:cNvSpPr>
+            <a:spLocks noGrp="1"/>
+          </p:cNvSpPr>
+          <p:nvPr>
+            <p:ph type="sldNum" sz="quarter" idx="5"/>
+          </p:nvPr>
+        </p:nvSpPr>
+        <p:spPr/>
+        <p:txBody>
+          <a:bodyPr/>
+          <a:lstStyle/>
+          <a:p>
+            <a:fld id="{3F2DB5A4-1ADC-4498-B442-720211AEF2E0}" type="slidenum">
+              <a:rPr lang="it-IT" smtClean="0"/>
+              <a:t>3</a:t>
+            </a:fld>
+            <a:endParaRPr lang="it-IT"/>
+          </a:p>
+        </p:txBody>
+      </p:sp>
+    </p:spTree>
+    <p:extLst>
+      <p:ext uri="{BB962C8B-B14F-4D97-AF65-F5344CB8AC3E}">
+        <p14:creationId xmlns:p14="http://schemas.microsoft.com/office/powerpoint/2010/main" val="1621510144"/>
+      </p:ext>
+    </p:extLst>
+  </p:cSld>
+  <p:clrMapOvr>
+    <a:masterClrMapping/>
+  </p:clrMapOvr>
+</p:notes>
+</file>
+
 <file path=ppt/slideLayouts/slideLayout1.xml><?xml version="1.0" encoding="utf-8"?>
 <p:sldLayout xmlns:a="http://schemas.openxmlformats.org/drawingml/2006/main" xmlns:r="http://schemas.openxmlformats.org/officeDocument/2006/relationships" xmlns:p="http://schemas.openxmlformats.org/presentationml/2006/main" type="title" preserve="1">
   <p:cSld name="Diapositiva titolo">
@@ -714,7 +937,7 @@
           <a:p>
             <a:fld id="{C2E96643-886D-42B6-B482-F62DA2585170}" type="datetimeFigureOut">
               <a:rPr lang="it-IT" smtClean="0"/>
-              <a:t>22/01/2025</a:t>
+              <a:t>27/01/2025</a:t>
             </a:fld>
             <a:endParaRPr lang="it-IT"/>
           </a:p>
@@ -912,7 +1135,7 @@
           <a:p>
             <a:fld id="{C2E96643-886D-42B6-B482-F62DA2585170}" type="datetimeFigureOut">
               <a:rPr lang="it-IT" smtClean="0"/>
-              <a:t>22/01/2025</a:t>
+              <a:t>27/01/2025</a:t>
             </a:fld>
             <a:endParaRPr lang="it-IT"/>
           </a:p>
@@ -1120,7 +1343,7 @@
           <a:p>
             <a:fld id="{C2E96643-886D-42B6-B482-F62DA2585170}" type="datetimeFigureOut">
               <a:rPr lang="it-IT" smtClean="0"/>
-              <a:t>22/01/2025</a:t>
+              <a:t>27/01/2025</a:t>
             </a:fld>
             <a:endParaRPr lang="it-IT"/>
           </a:p>
@@ -1318,7 +1541,7 @@
           <a:p>
             <a:fld id="{C2E96643-886D-42B6-B482-F62DA2585170}" type="datetimeFigureOut">
               <a:rPr lang="it-IT" smtClean="0"/>
-              <a:t>22/01/2025</a:t>
+              <a:t>27/01/2025</a:t>
             </a:fld>
             <a:endParaRPr lang="it-IT"/>
           </a:p>
@@ -1593,7 +1816,7 @@
           <a:p>
             <a:fld id="{C2E96643-886D-42B6-B482-F62DA2585170}" type="datetimeFigureOut">
               <a:rPr lang="it-IT" smtClean="0"/>
-              <a:t>22/01/2025</a:t>
+              <a:t>27/01/2025</a:t>
             </a:fld>
             <a:endParaRPr lang="it-IT"/>
           </a:p>
@@ -1858,7 +2081,7 @@
           <a:p>
             <a:fld id="{C2E96643-886D-42B6-B482-F62DA2585170}" type="datetimeFigureOut">
               <a:rPr lang="it-IT" smtClean="0"/>
-              <a:t>22/01/2025</a:t>
+              <a:t>27/01/2025</a:t>
             </a:fld>
             <a:endParaRPr lang="it-IT"/>
           </a:p>
@@ -2270,7 +2493,7 @@
           <a:p>
             <a:fld id="{C2E96643-886D-42B6-B482-F62DA2585170}" type="datetimeFigureOut">
               <a:rPr lang="it-IT" smtClean="0"/>
-              <a:t>22/01/2025</a:t>
+              <a:t>27/01/2025</a:t>
             </a:fld>
             <a:endParaRPr lang="it-IT"/>
           </a:p>
@@ -2411,7 +2634,7 @@
           <a:p>
             <a:fld id="{C2E96643-886D-42B6-B482-F62DA2585170}" type="datetimeFigureOut">
               <a:rPr lang="it-IT" smtClean="0"/>
-              <a:t>22/01/2025</a:t>
+              <a:t>27/01/2025</a:t>
             </a:fld>
             <a:endParaRPr lang="it-IT"/>
           </a:p>
@@ -2524,7 +2747,7 @@
           <a:p>
             <a:fld id="{C2E96643-886D-42B6-B482-F62DA2585170}" type="datetimeFigureOut">
               <a:rPr lang="it-IT" smtClean="0"/>
-              <a:t>22/01/2025</a:t>
+              <a:t>27/01/2025</a:t>
             </a:fld>
             <a:endParaRPr lang="it-IT"/>
           </a:p>
@@ -2835,7 +3058,7 @@
           <a:p>
             <a:fld id="{C2E96643-886D-42B6-B482-F62DA2585170}" type="datetimeFigureOut">
               <a:rPr lang="it-IT" smtClean="0"/>
-              <a:t>22/01/2025</a:t>
+              <a:t>27/01/2025</a:t>
             </a:fld>
             <a:endParaRPr lang="it-IT"/>
           </a:p>
@@ -3123,7 +3346,7 @@
           <a:p>
             <a:fld id="{C2E96643-886D-42B6-B482-F62DA2585170}" type="datetimeFigureOut">
               <a:rPr lang="it-IT" smtClean="0"/>
-              <a:t>22/01/2025</a:t>
+              <a:t>27/01/2025</a:t>
             </a:fld>
             <a:endParaRPr lang="it-IT"/>
           </a:p>
@@ -3364,7 +3587,7 @@
           <a:p>
             <a:fld id="{C2E96643-886D-42B6-B482-F62DA2585170}" type="datetimeFigureOut">
               <a:rPr lang="it-IT" smtClean="0"/>
-              <a:t>22/01/2025</a:t>
+              <a:t>27/01/2025</a:t>
             </a:fld>
             <a:endParaRPr lang="it-IT"/>
           </a:p>
@@ -5836,6 +6059,3278 @@
 </p:sld>
 </file>
 
+<file path=ppt/slides/slide2.xml><?xml version="1.0" encoding="utf-8"?>
+<p:sld xmlns:a="http://schemas.openxmlformats.org/drawingml/2006/main" xmlns:r="http://schemas.openxmlformats.org/officeDocument/2006/relationships" xmlns:p="http://schemas.openxmlformats.org/presentationml/2006/main">
+  <p:cSld>
+    <p:spTree>
+      <p:nvGrpSpPr>
+        <p:cNvPr id="1" name="">
+          <a:extLst>
+            <a:ext uri="{FF2B5EF4-FFF2-40B4-BE49-F238E27FC236}">
+              <a16:creationId xmlns:a16="http://schemas.microsoft.com/office/drawing/2014/main" id="{D1A2C6C4-B748-80E3-0E18-840EA7598EC6}"/>
+            </a:ext>
+          </a:extLst>
+        </p:cNvPr>
+        <p:cNvGrpSpPr/>
+        <p:nvPr/>
+      </p:nvGrpSpPr>
+      <p:grpSpPr>
+        <a:xfrm>
+          <a:off x="0" y="0"/>
+          <a:ext cx="0" cy="0"/>
+          <a:chOff x="0" y="0"/>
+          <a:chExt cx="0" cy="0"/>
+        </a:xfrm>
+      </p:grpSpPr>
+      <p:sp>
+        <p:nvSpPr>
+          <p:cNvPr id="2" name="CasellaDiTesto 1">
+            <a:extLst>
+              <a:ext uri="{FF2B5EF4-FFF2-40B4-BE49-F238E27FC236}">
+                <a16:creationId xmlns:a16="http://schemas.microsoft.com/office/drawing/2014/main" id="{FB6C66B8-468B-5B66-6ACC-8222F6FED7F1}"/>
+              </a:ext>
+            </a:extLst>
+          </p:cNvPr>
+          <p:cNvSpPr txBox="1"/>
+          <p:nvPr/>
+        </p:nvSpPr>
+        <p:spPr>
+          <a:xfrm>
+            <a:off x="4082554" y="343292"/>
+            <a:ext cx="4026892" cy="338554"/>
+          </a:xfrm>
+          <a:prstGeom prst="rect">
+            <a:avLst/>
+          </a:prstGeom>
+          <a:noFill/>
+          <a:ln>
+            <a:noFill/>
+          </a:ln>
+        </p:spPr>
+        <p:txBody>
+          <a:bodyPr wrap="square" rtlCol="0">
+            <a:spAutoFit/>
+          </a:bodyPr>
+          <a:lstStyle/>
+          <a:p>
+            <a:pPr algn="ctr"/>
+            <a:r>
+              <a:rPr lang="en-US" sz="1600" spc="300" dirty="0"/>
+              <a:t>SYSTEM </a:t>
+            </a:r>
+            <a:r>
+              <a:rPr lang="en-US" sz="1600" b="1" spc="300" dirty="0"/>
+              <a:t>ARCHITECTURE</a:t>
+            </a:r>
+          </a:p>
+        </p:txBody>
+      </p:sp>
+      <p:grpSp>
+        <p:nvGrpSpPr>
+          <p:cNvPr id="24" name="Gruppo 23">
+            <a:extLst>
+              <a:ext uri="{FF2B5EF4-FFF2-40B4-BE49-F238E27FC236}">
+                <a16:creationId xmlns:a16="http://schemas.microsoft.com/office/drawing/2014/main" id="{B7570F4E-8A43-403B-9BD5-9BAF89ACAA7F}"/>
+              </a:ext>
+            </a:extLst>
+          </p:cNvPr>
+          <p:cNvGrpSpPr/>
+          <p:nvPr/>
+        </p:nvGrpSpPr>
+        <p:grpSpPr>
+          <a:xfrm>
+            <a:off x="961728" y="1583270"/>
+            <a:ext cx="1299346" cy="1205871"/>
+            <a:chOff x="4511797" y="895979"/>
+            <a:chExt cx="1299346" cy="1205871"/>
+          </a:xfrm>
+        </p:grpSpPr>
+        <p:sp>
+          <p:nvSpPr>
+            <p:cNvPr id="16" name="CasellaDiTesto 15">
+              <a:extLst>
+                <a:ext uri="{FF2B5EF4-FFF2-40B4-BE49-F238E27FC236}">
+                  <a16:creationId xmlns:a16="http://schemas.microsoft.com/office/drawing/2014/main" id="{A2068999-F9A0-9779-22DF-E305023111D1}"/>
+                </a:ext>
+              </a:extLst>
+            </p:cNvPr>
+            <p:cNvSpPr txBox="1"/>
+            <p:nvPr/>
+          </p:nvSpPr>
+          <p:spPr>
+            <a:xfrm>
+              <a:off x="4511797" y="1772258"/>
+              <a:ext cx="1299346" cy="261610"/>
+            </a:xfrm>
+            <a:prstGeom prst="rect">
+              <a:avLst/>
+            </a:prstGeom>
+            <a:noFill/>
+          </p:spPr>
+          <p:txBody>
+            <a:bodyPr wrap="square" rtlCol="0">
+              <a:spAutoFit/>
+            </a:bodyPr>
+            <a:lstStyle/>
+            <a:p>
+              <a:pPr algn="ctr"/>
+              <a:r>
+                <a:rPr lang="en-US" sz="1100" spc="300" dirty="0"/>
+                <a:t>USER</a:t>
+              </a:r>
+            </a:p>
+          </p:txBody>
+        </p:sp>
+        <p:grpSp>
+          <p:nvGrpSpPr>
+            <p:cNvPr id="23" name="Gruppo 22">
+              <a:extLst>
+                <a:ext uri="{FF2B5EF4-FFF2-40B4-BE49-F238E27FC236}">
+                  <a16:creationId xmlns:a16="http://schemas.microsoft.com/office/drawing/2014/main" id="{E6FA65E5-A9BB-2ADD-F76C-366A02A63356}"/>
+                </a:ext>
+              </a:extLst>
+            </p:cNvPr>
+            <p:cNvGrpSpPr/>
+            <p:nvPr/>
+          </p:nvGrpSpPr>
+          <p:grpSpPr>
+            <a:xfrm>
+              <a:off x="4605845" y="895979"/>
+              <a:ext cx="1111250" cy="1205871"/>
+              <a:chOff x="4337295" y="895979"/>
+              <a:chExt cx="1111250" cy="1205871"/>
+            </a:xfrm>
+          </p:grpSpPr>
+          <p:sp>
+            <p:nvSpPr>
+              <p:cNvPr id="14" name="Rettangolo con angoli arrotondati 13">
+                <a:extLst>
+                  <a:ext uri="{FF2B5EF4-FFF2-40B4-BE49-F238E27FC236}">
+                    <a16:creationId xmlns:a16="http://schemas.microsoft.com/office/drawing/2014/main" id="{5B2C9CB8-8E43-76CC-178A-03585C849F78}"/>
+                  </a:ext>
+                </a:extLst>
+              </p:cNvPr>
+              <p:cNvSpPr/>
+              <p:nvPr/>
+            </p:nvSpPr>
+            <p:spPr>
+              <a:xfrm>
+                <a:off x="4337295" y="895979"/>
+                <a:ext cx="1111250" cy="1205871"/>
+              </a:xfrm>
+              <a:prstGeom prst="roundRect">
+                <a:avLst>
+                  <a:gd name="adj" fmla="val 7027"/>
+                </a:avLst>
+              </a:prstGeom>
+              <a:noFill/>
+              <a:ln w="28575">
+                <a:solidFill>
+                  <a:schemeClr val="tx1"/>
+                </a:solidFill>
+              </a:ln>
+            </p:spPr>
+            <p:style>
+              <a:lnRef idx="2">
+                <a:schemeClr val="accent1">
+                  <a:shade val="15000"/>
+                </a:schemeClr>
+              </a:lnRef>
+              <a:fillRef idx="1">
+                <a:schemeClr val="accent1"/>
+              </a:fillRef>
+              <a:effectRef idx="0">
+                <a:schemeClr val="accent1"/>
+              </a:effectRef>
+              <a:fontRef idx="minor">
+                <a:schemeClr val="lt1"/>
+              </a:fontRef>
+            </p:style>
+            <p:txBody>
+              <a:bodyPr rtlCol="0" anchor="ctr"/>
+              <a:lstStyle/>
+              <a:p>
+                <a:pPr algn="ctr"/>
+                <a:endParaRPr lang="it-IT"/>
+              </a:p>
+            </p:txBody>
+          </p:sp>
+          <p:pic>
+            <p:nvPicPr>
+              <p:cNvPr id="18" name="Elemento grafico 17" descr="Utente con riempimento a tinta unita">
+                <a:extLst>
+                  <a:ext uri="{FF2B5EF4-FFF2-40B4-BE49-F238E27FC236}">
+                    <a16:creationId xmlns:a16="http://schemas.microsoft.com/office/drawing/2014/main" id="{D09407E9-79C5-52DC-0661-F7A8934EFA36}"/>
+                  </a:ext>
+                </a:extLst>
+              </p:cNvPr>
+              <p:cNvPicPr>
+                <a:picLocks noChangeAspect="1"/>
+              </p:cNvPicPr>
+              <p:nvPr/>
+            </p:nvPicPr>
+            <p:blipFill>
+              <a:blip r:embed="rId3">
+                <a:extLst>
+                  <a:ext uri="{96DAC541-7B7A-43D3-8B79-37D633B846F1}">
+                    <asvg:svgBlip xmlns:asvg="http://schemas.microsoft.com/office/drawing/2016/SVG/main" r:embed="rId4"/>
+                  </a:ext>
+                </a:extLst>
+              </a:blip>
+              <a:stretch>
+                <a:fillRect/>
+              </a:stretch>
+            </p:blipFill>
+            <p:spPr>
+              <a:xfrm>
+                <a:off x="4511711" y="979177"/>
+                <a:ext cx="762419" cy="762419"/>
+              </a:xfrm>
+              <a:prstGeom prst="rect">
+                <a:avLst/>
+              </a:prstGeom>
+            </p:spPr>
+          </p:pic>
+        </p:grpSp>
+      </p:grpSp>
+      <p:grpSp>
+        <p:nvGrpSpPr>
+          <p:cNvPr id="36" name="Gruppo 35">
+            <a:extLst>
+              <a:ext uri="{FF2B5EF4-FFF2-40B4-BE49-F238E27FC236}">
+                <a16:creationId xmlns:a16="http://schemas.microsoft.com/office/drawing/2014/main" id="{F9259AC5-DE64-8236-489E-9C3D79338DBD}"/>
+              </a:ext>
+            </a:extLst>
+          </p:cNvPr>
+          <p:cNvGrpSpPr/>
+          <p:nvPr/>
+        </p:nvGrpSpPr>
+        <p:grpSpPr>
+          <a:xfrm>
+            <a:off x="9502466" y="478259"/>
+            <a:ext cx="1640558" cy="1898099"/>
+            <a:chOff x="6273241" y="1459644"/>
+            <a:chExt cx="1640558" cy="1898099"/>
+          </a:xfrm>
+        </p:grpSpPr>
+        <p:pic>
+          <p:nvPicPr>
+            <p:cNvPr id="1030" name="Picture 6" descr="Scarica MySQL 8.0.40 per Windows - Filehippo.com">
+              <a:extLst>
+                <a:ext uri="{FF2B5EF4-FFF2-40B4-BE49-F238E27FC236}">
+                  <a16:creationId xmlns:a16="http://schemas.microsoft.com/office/drawing/2014/main" id="{D3D7F8BD-AB07-EC58-4252-4836E19D9676}"/>
+                </a:ext>
+              </a:extLst>
+            </p:cNvPr>
+            <p:cNvPicPr>
+              <a:picLocks noChangeAspect="1" noChangeArrowheads="1"/>
+            </p:cNvPicPr>
+            <p:nvPr/>
+          </p:nvPicPr>
+          <p:blipFill>
+            <a:blip r:embed="rId5">
+              <a:extLst>
+                <a:ext uri="{28A0092B-C50C-407E-A947-70E740481C1C}">
+                  <a14:useLocalDpi xmlns:a14="http://schemas.microsoft.com/office/drawing/2010/main" val="0"/>
+                </a:ext>
+              </a:extLst>
+            </a:blip>
+            <a:srcRect/>
+            <a:stretch>
+              <a:fillRect/>
+            </a:stretch>
+          </p:blipFill>
+          <p:spPr bwMode="auto">
+            <a:xfrm>
+              <a:off x="6520608" y="1668178"/>
+              <a:ext cx="1142013" cy="1142013"/>
+            </a:xfrm>
+            <a:prstGeom prst="rect">
+              <a:avLst/>
+            </a:prstGeom>
+            <a:noFill/>
+            <a:extLst>
+              <a:ext uri="{909E8E84-426E-40DD-AFC4-6F175D3DCCD1}">
+                <a14:hiddenFill xmlns:a14="http://schemas.microsoft.com/office/drawing/2010/main">
+                  <a:solidFill>
+                    <a:srgbClr val="FFFFFF"/>
+                  </a:solidFill>
+                </a14:hiddenFill>
+              </a:ext>
+            </a:extLst>
+          </p:spPr>
+        </p:pic>
+        <p:sp>
+          <p:nvSpPr>
+            <p:cNvPr id="33" name="CasellaDiTesto 32">
+              <a:extLst>
+                <a:ext uri="{FF2B5EF4-FFF2-40B4-BE49-F238E27FC236}">
+                  <a16:creationId xmlns:a16="http://schemas.microsoft.com/office/drawing/2014/main" id="{4354A9B6-EC48-7E74-EF1B-E249D2D029DC}"/>
+                </a:ext>
+              </a:extLst>
+            </p:cNvPr>
+            <p:cNvSpPr txBox="1"/>
+            <p:nvPr/>
+          </p:nvSpPr>
+          <p:spPr>
+            <a:xfrm>
+              <a:off x="6522514" y="2978603"/>
+              <a:ext cx="1142013" cy="261610"/>
+            </a:xfrm>
+            <a:prstGeom prst="rect">
+              <a:avLst/>
+            </a:prstGeom>
+            <a:noFill/>
+          </p:spPr>
+          <p:txBody>
+            <a:bodyPr wrap="square" rtlCol="0">
+              <a:spAutoFit/>
+            </a:bodyPr>
+            <a:lstStyle/>
+            <a:p>
+              <a:pPr algn="ctr"/>
+              <a:r>
+                <a:rPr lang="en-US" sz="1100" spc="300" dirty="0"/>
+                <a:t>DATABASE</a:t>
+              </a:r>
+            </a:p>
+          </p:txBody>
+        </p:sp>
+        <p:sp>
+          <p:nvSpPr>
+            <p:cNvPr id="34" name="Rettangolo con angoli arrotondati 33">
+              <a:extLst>
+                <a:ext uri="{FF2B5EF4-FFF2-40B4-BE49-F238E27FC236}">
+                  <a16:creationId xmlns:a16="http://schemas.microsoft.com/office/drawing/2014/main" id="{C7E5960D-0824-2511-FC5B-11BAF043A83D}"/>
+                </a:ext>
+              </a:extLst>
+            </p:cNvPr>
+            <p:cNvSpPr/>
+            <p:nvPr/>
+          </p:nvSpPr>
+          <p:spPr>
+            <a:xfrm>
+              <a:off x="6273241" y="1459644"/>
+              <a:ext cx="1640558" cy="1898099"/>
+            </a:xfrm>
+            <a:prstGeom prst="roundRect">
+              <a:avLst>
+                <a:gd name="adj" fmla="val 7027"/>
+              </a:avLst>
+            </a:prstGeom>
+            <a:noFill/>
+            <a:ln w="28575">
+              <a:solidFill>
+                <a:schemeClr val="tx1"/>
+              </a:solidFill>
+            </a:ln>
+          </p:spPr>
+          <p:style>
+            <a:lnRef idx="2">
+              <a:schemeClr val="accent1">
+                <a:shade val="15000"/>
+              </a:schemeClr>
+            </a:lnRef>
+            <a:fillRef idx="1">
+              <a:schemeClr val="accent1"/>
+            </a:fillRef>
+            <a:effectRef idx="0">
+              <a:schemeClr val="accent1"/>
+            </a:effectRef>
+            <a:fontRef idx="minor">
+              <a:schemeClr val="lt1"/>
+            </a:fontRef>
+          </p:style>
+          <p:txBody>
+            <a:bodyPr rtlCol="0" anchor="ctr"/>
+            <a:lstStyle/>
+            <a:p>
+              <a:pPr algn="ctr"/>
+              <a:endParaRPr lang="it-IT" dirty="0"/>
+            </a:p>
+          </p:txBody>
+        </p:sp>
+      </p:grpSp>
+      <p:cxnSp>
+        <p:nvCxnSpPr>
+          <p:cNvPr id="38" name="Connettore a gomito 37">
+            <a:extLst>
+              <a:ext uri="{FF2B5EF4-FFF2-40B4-BE49-F238E27FC236}">
+                <a16:creationId xmlns:a16="http://schemas.microsoft.com/office/drawing/2014/main" id="{0B4CB42F-6F46-A95B-3E22-8ED70B91875D}"/>
+              </a:ext>
+            </a:extLst>
+          </p:cNvPr>
+          <p:cNvCxnSpPr>
+            <a:cxnSpLocks/>
+            <a:stCxn id="92" idx="3"/>
+          </p:cNvCxnSpPr>
+          <p:nvPr/>
+        </p:nvCxnSpPr>
+        <p:spPr>
+          <a:xfrm flipV="1">
+            <a:off x="8113147" y="1427308"/>
+            <a:ext cx="1360747" cy="758898"/>
+          </a:xfrm>
+          <a:prstGeom prst="bentConnector3">
+            <a:avLst>
+              <a:gd name="adj1" fmla="val 50000"/>
+            </a:avLst>
+          </a:prstGeom>
+          <a:ln>
+            <a:solidFill>
+              <a:schemeClr val="tx1"/>
+            </a:solidFill>
+          </a:ln>
+        </p:spPr>
+        <p:style>
+          <a:lnRef idx="2">
+            <a:schemeClr val="accent1"/>
+          </a:lnRef>
+          <a:fillRef idx="0">
+            <a:schemeClr val="accent1"/>
+          </a:fillRef>
+          <a:effectRef idx="1">
+            <a:schemeClr val="accent1"/>
+          </a:effectRef>
+          <a:fontRef idx="minor">
+            <a:schemeClr val="tx1"/>
+          </a:fontRef>
+        </p:style>
+      </p:cxnSp>
+      <p:grpSp>
+        <p:nvGrpSpPr>
+          <p:cNvPr id="8" name="Gruppo 7">
+            <a:extLst>
+              <a:ext uri="{FF2B5EF4-FFF2-40B4-BE49-F238E27FC236}">
+                <a16:creationId xmlns:a16="http://schemas.microsoft.com/office/drawing/2014/main" id="{E85A4C8D-CBA6-CB2A-E96C-DC6CB66414B1}"/>
+              </a:ext>
+            </a:extLst>
+          </p:cNvPr>
+          <p:cNvGrpSpPr/>
+          <p:nvPr/>
+        </p:nvGrpSpPr>
+        <p:grpSpPr>
+          <a:xfrm>
+            <a:off x="5215237" y="4834505"/>
+            <a:ext cx="1754842" cy="1273100"/>
+            <a:chOff x="5230068" y="3731937"/>
+            <a:chExt cx="1754842" cy="1273100"/>
+          </a:xfrm>
+        </p:grpSpPr>
+        <p:sp>
+          <p:nvSpPr>
+            <p:cNvPr id="66" name="CasellaDiTesto 65">
+              <a:extLst>
+                <a:ext uri="{FF2B5EF4-FFF2-40B4-BE49-F238E27FC236}">
+                  <a16:creationId xmlns:a16="http://schemas.microsoft.com/office/drawing/2014/main" id="{7B273D13-3ED4-3BA6-59E3-84E557DBDEA5}"/>
+                </a:ext>
+              </a:extLst>
+            </p:cNvPr>
+            <p:cNvSpPr txBox="1"/>
+            <p:nvPr/>
+          </p:nvSpPr>
+          <p:spPr>
+            <a:xfrm>
+              <a:off x="5244771" y="4640588"/>
+              <a:ext cx="1725436" cy="261610"/>
+            </a:xfrm>
+            <a:prstGeom prst="rect">
+              <a:avLst/>
+            </a:prstGeom>
+            <a:noFill/>
+          </p:spPr>
+          <p:txBody>
+            <a:bodyPr wrap="square" rtlCol="0">
+              <a:spAutoFit/>
+            </a:bodyPr>
+            <a:lstStyle/>
+            <a:p>
+              <a:pPr algn="ctr"/>
+              <a:r>
+                <a:rPr lang="en-US" sz="1100" b="1" spc="300" dirty="0"/>
+                <a:t>EVENT</a:t>
+              </a:r>
+              <a:r>
+                <a:rPr lang="en-US" sz="1100" spc="300" dirty="0"/>
+                <a:t> SERVER</a:t>
+              </a:r>
+            </a:p>
+          </p:txBody>
+        </p:sp>
+        <p:sp>
+          <p:nvSpPr>
+            <p:cNvPr id="67" name="Rettangolo con angoli arrotondati 66">
+              <a:extLst>
+                <a:ext uri="{FF2B5EF4-FFF2-40B4-BE49-F238E27FC236}">
+                  <a16:creationId xmlns:a16="http://schemas.microsoft.com/office/drawing/2014/main" id="{0E19BAFB-0B6C-A5E0-A3B1-3B50690AC73F}"/>
+                </a:ext>
+              </a:extLst>
+            </p:cNvPr>
+            <p:cNvSpPr/>
+            <p:nvPr/>
+          </p:nvSpPr>
+          <p:spPr>
+            <a:xfrm>
+              <a:off x="5230068" y="3731937"/>
+              <a:ext cx="1754842" cy="1273100"/>
+            </a:xfrm>
+            <a:prstGeom prst="roundRect">
+              <a:avLst>
+                <a:gd name="adj" fmla="val 7027"/>
+              </a:avLst>
+            </a:prstGeom>
+            <a:noFill/>
+            <a:ln w="28575">
+              <a:solidFill>
+                <a:schemeClr val="tx1"/>
+              </a:solidFill>
+            </a:ln>
+          </p:spPr>
+          <p:style>
+            <a:lnRef idx="2">
+              <a:schemeClr val="accent1">
+                <a:shade val="15000"/>
+              </a:schemeClr>
+            </a:lnRef>
+            <a:fillRef idx="1">
+              <a:schemeClr val="accent1"/>
+            </a:fillRef>
+            <a:effectRef idx="0">
+              <a:schemeClr val="accent1"/>
+            </a:effectRef>
+            <a:fontRef idx="minor">
+              <a:schemeClr val="lt1"/>
+            </a:fontRef>
+          </p:style>
+          <p:txBody>
+            <a:bodyPr rtlCol="0" anchor="ctr"/>
+            <a:lstStyle/>
+            <a:p>
+              <a:pPr algn="ctr"/>
+              <a:endParaRPr lang="it-IT" dirty="0"/>
+            </a:p>
+          </p:txBody>
+        </p:sp>
+        <p:pic>
+          <p:nvPicPr>
+            <p:cNvPr id="72" name="Picture 12">
+              <a:extLst>
+                <a:ext uri="{FF2B5EF4-FFF2-40B4-BE49-F238E27FC236}">
+                  <a16:creationId xmlns:a16="http://schemas.microsoft.com/office/drawing/2014/main" id="{E53C980A-1F9D-FDD0-1C8A-21BF7B21D51F}"/>
+                </a:ext>
+              </a:extLst>
+            </p:cNvPr>
+            <p:cNvPicPr>
+              <a:picLocks noChangeAspect="1" noChangeArrowheads="1"/>
+            </p:cNvPicPr>
+            <p:nvPr/>
+          </p:nvPicPr>
+          <p:blipFill>
+            <a:blip r:embed="rId6">
+              <a:extLst>
+                <a:ext uri="{28A0092B-C50C-407E-A947-70E740481C1C}">
+                  <a14:useLocalDpi xmlns:a14="http://schemas.microsoft.com/office/drawing/2010/main" val="0"/>
+                </a:ext>
+              </a:extLst>
+            </a:blip>
+            <a:srcRect/>
+            <a:stretch>
+              <a:fillRect/>
+            </a:stretch>
+          </p:blipFill>
+          <p:spPr bwMode="auto">
+            <a:xfrm>
+              <a:off x="5782387" y="3935374"/>
+              <a:ext cx="650204" cy="570911"/>
+            </a:xfrm>
+            <a:prstGeom prst="rect">
+              <a:avLst/>
+            </a:prstGeom>
+            <a:noFill/>
+            <a:extLst>
+              <a:ext uri="{909E8E84-426E-40DD-AFC4-6F175D3DCCD1}">
+                <a14:hiddenFill xmlns:a14="http://schemas.microsoft.com/office/drawing/2010/main">
+                  <a:solidFill>
+                    <a:srgbClr val="FFFFFF"/>
+                  </a:solidFill>
+                </a14:hiddenFill>
+              </a:ext>
+            </a:extLst>
+          </p:spPr>
+        </p:pic>
+      </p:grpSp>
+      <p:sp>
+        <p:nvSpPr>
+          <p:cNvPr id="97" name="Rettangolo con angoli arrotondati 96">
+            <a:extLst>
+              <a:ext uri="{FF2B5EF4-FFF2-40B4-BE49-F238E27FC236}">
+                <a16:creationId xmlns:a16="http://schemas.microsoft.com/office/drawing/2014/main" id="{2EA1EC88-F104-D853-A42F-F3403B1B9A74}"/>
+              </a:ext>
+            </a:extLst>
+          </p:cNvPr>
+          <p:cNvSpPr/>
+          <p:nvPr/>
+        </p:nvSpPr>
+        <p:spPr>
+          <a:xfrm>
+            <a:off x="766763" y="4129894"/>
+            <a:ext cx="10658475" cy="2503990"/>
+          </a:xfrm>
+          <a:prstGeom prst="roundRect">
+            <a:avLst>
+              <a:gd name="adj" fmla="val 7027"/>
+            </a:avLst>
+          </a:prstGeom>
+          <a:noFill/>
+          <a:ln w="28575">
+            <a:solidFill>
+              <a:schemeClr val="tx1"/>
+            </a:solidFill>
+            <a:prstDash val="dash"/>
+          </a:ln>
+        </p:spPr>
+        <p:style>
+          <a:lnRef idx="2">
+            <a:schemeClr val="accent1">
+              <a:shade val="15000"/>
+            </a:schemeClr>
+          </a:lnRef>
+          <a:fillRef idx="1">
+            <a:schemeClr val="accent1"/>
+          </a:fillRef>
+          <a:effectRef idx="0">
+            <a:schemeClr val="accent1"/>
+          </a:effectRef>
+          <a:fontRef idx="minor">
+            <a:schemeClr val="lt1"/>
+          </a:fontRef>
+        </p:style>
+        <p:txBody>
+          <a:bodyPr rtlCol="0" anchor="ctr"/>
+          <a:lstStyle/>
+          <a:p>
+            <a:pPr algn="ctr"/>
+            <a:endParaRPr lang="it-IT" dirty="0"/>
+          </a:p>
+        </p:txBody>
+      </p:sp>
+      <p:cxnSp>
+        <p:nvCxnSpPr>
+          <p:cNvPr id="98" name="Connettore a gomito 97">
+            <a:extLst>
+              <a:ext uri="{FF2B5EF4-FFF2-40B4-BE49-F238E27FC236}">
+                <a16:creationId xmlns:a16="http://schemas.microsoft.com/office/drawing/2014/main" id="{A6AD377D-DA57-FC60-F88A-E2F54A3FEABF}"/>
+              </a:ext>
+            </a:extLst>
+          </p:cNvPr>
+          <p:cNvCxnSpPr>
+            <a:cxnSpLocks/>
+            <a:stCxn id="92" idx="2"/>
+            <a:endCxn id="97" idx="0"/>
+          </p:cNvCxnSpPr>
+          <p:nvPr/>
+        </p:nvCxnSpPr>
+        <p:spPr>
+          <a:xfrm rot="5400000">
+            <a:off x="6250014" y="2981242"/>
+            <a:ext cx="994639" cy="1302664"/>
+          </a:xfrm>
+          <a:prstGeom prst="bentConnector3">
+            <a:avLst>
+              <a:gd name="adj1" fmla="val 50000"/>
+            </a:avLst>
+          </a:prstGeom>
+          <a:ln>
+            <a:solidFill>
+              <a:schemeClr val="tx1"/>
+            </a:solidFill>
+          </a:ln>
+        </p:spPr>
+        <p:style>
+          <a:lnRef idx="2">
+            <a:schemeClr val="accent1"/>
+          </a:lnRef>
+          <a:fillRef idx="0">
+            <a:schemeClr val="accent1"/>
+          </a:fillRef>
+          <a:effectRef idx="1">
+            <a:schemeClr val="accent1"/>
+          </a:effectRef>
+          <a:fontRef idx="minor">
+            <a:schemeClr val="tx1"/>
+          </a:fontRef>
+        </p:style>
+      </p:cxnSp>
+      <p:cxnSp>
+        <p:nvCxnSpPr>
+          <p:cNvPr id="101" name="Connettore a gomito 97">
+            <a:extLst>
+              <a:ext uri="{FF2B5EF4-FFF2-40B4-BE49-F238E27FC236}">
+                <a16:creationId xmlns:a16="http://schemas.microsoft.com/office/drawing/2014/main" id="{8D131FC1-0E07-D968-31AB-3E8953A4D9CF}"/>
+              </a:ext>
+            </a:extLst>
+          </p:cNvPr>
+          <p:cNvCxnSpPr>
+            <a:cxnSpLocks/>
+            <a:stCxn id="11" idx="3"/>
+            <a:endCxn id="67" idx="1"/>
+          </p:cNvCxnSpPr>
+          <p:nvPr/>
+        </p:nvCxnSpPr>
+        <p:spPr>
+          <a:xfrm>
+            <a:off x="2813393" y="5471055"/>
+            <a:ext cx="2401844" cy="0"/>
+          </a:xfrm>
+          <a:prstGeom prst="straightConnector1">
+            <a:avLst/>
+          </a:prstGeom>
+          <a:ln>
+            <a:solidFill>
+              <a:schemeClr val="tx1"/>
+            </a:solidFill>
+            <a:headEnd type="arrow" w="med" len="med"/>
+            <a:tailEnd type="arrow" w="med" len="med"/>
+          </a:ln>
+        </p:spPr>
+        <p:style>
+          <a:lnRef idx="2">
+            <a:schemeClr val="accent1"/>
+          </a:lnRef>
+          <a:fillRef idx="0">
+            <a:schemeClr val="accent1"/>
+          </a:fillRef>
+          <a:effectRef idx="1">
+            <a:schemeClr val="accent1"/>
+          </a:effectRef>
+          <a:fontRef idx="minor">
+            <a:schemeClr val="tx1"/>
+          </a:fontRef>
+        </p:style>
+      </p:cxnSp>
+      <p:cxnSp>
+        <p:nvCxnSpPr>
+          <p:cNvPr id="104" name="Connettore a gomito 97">
+            <a:extLst>
+              <a:ext uri="{FF2B5EF4-FFF2-40B4-BE49-F238E27FC236}">
+                <a16:creationId xmlns:a16="http://schemas.microsoft.com/office/drawing/2014/main" id="{B610F1EE-71A4-4362-6353-0A2C9FEDF23C}"/>
+              </a:ext>
+            </a:extLst>
+          </p:cNvPr>
+          <p:cNvCxnSpPr>
+            <a:cxnSpLocks/>
+            <a:stCxn id="17" idx="0"/>
+            <a:endCxn id="11" idx="0"/>
+          </p:cNvCxnSpPr>
+          <p:nvPr/>
+        </p:nvCxnSpPr>
+        <p:spPr>
+          <a:xfrm rot="16200000" flipV="1">
+            <a:off x="6100788" y="669689"/>
+            <a:ext cx="12700" cy="8329631"/>
+          </a:xfrm>
+          <a:prstGeom prst="bentConnector3">
+            <a:avLst>
+              <a:gd name="adj1" fmla="val 3899969"/>
+            </a:avLst>
+          </a:prstGeom>
+          <a:ln>
+            <a:solidFill>
+              <a:schemeClr val="tx1"/>
+            </a:solidFill>
+            <a:headEnd type="arrow" w="med" len="med"/>
+            <a:tailEnd type="arrow" w="med" len="med"/>
+          </a:ln>
+        </p:spPr>
+        <p:style>
+          <a:lnRef idx="2">
+            <a:schemeClr val="accent1"/>
+          </a:lnRef>
+          <a:fillRef idx="0">
+            <a:schemeClr val="accent1"/>
+          </a:fillRef>
+          <a:effectRef idx="1">
+            <a:schemeClr val="accent1"/>
+          </a:effectRef>
+          <a:fontRef idx="minor">
+            <a:schemeClr val="tx1"/>
+          </a:fontRef>
+        </p:style>
+      </p:cxnSp>
+      <p:sp>
+        <p:nvSpPr>
+          <p:cNvPr id="108" name="CasellaDiTesto 107">
+            <a:extLst>
+              <a:ext uri="{FF2B5EF4-FFF2-40B4-BE49-F238E27FC236}">
+                <a16:creationId xmlns:a16="http://schemas.microsoft.com/office/drawing/2014/main" id="{2E1E1BC2-80D6-5D47-C281-221946F736BC}"/>
+              </a:ext>
+            </a:extLst>
+          </p:cNvPr>
+          <p:cNvSpPr txBox="1"/>
+          <p:nvPr/>
+        </p:nvSpPr>
+        <p:spPr>
+          <a:xfrm>
+            <a:off x="4455748" y="6264594"/>
+            <a:ext cx="3273820" cy="261610"/>
+          </a:xfrm>
+          <a:prstGeom prst="rect">
+            <a:avLst/>
+          </a:prstGeom>
+          <a:noFill/>
+        </p:spPr>
+        <p:txBody>
+          <a:bodyPr wrap="square" rtlCol="0">
+            <a:spAutoFit/>
+          </a:bodyPr>
+          <a:lstStyle/>
+          <a:p>
+            <a:pPr algn="ctr"/>
+            <a:r>
+              <a:rPr lang="en-US" sz="1100" b="1" spc="300" dirty="0"/>
+              <a:t>DISTRIBUTED</a:t>
+            </a:r>
+            <a:r>
+              <a:rPr lang="en-US" sz="1100" spc="300" dirty="0"/>
+              <a:t> EVENT SERVERS</a:t>
+            </a:r>
+          </a:p>
+        </p:txBody>
+      </p:sp>
+      <p:cxnSp>
+        <p:nvCxnSpPr>
+          <p:cNvPr id="110" name="Connettore a gomito 97">
+            <a:extLst>
+              <a:ext uri="{FF2B5EF4-FFF2-40B4-BE49-F238E27FC236}">
+                <a16:creationId xmlns:a16="http://schemas.microsoft.com/office/drawing/2014/main" id="{56C54DEC-050E-C2FF-2FED-A5610CB865E8}"/>
+              </a:ext>
+            </a:extLst>
+          </p:cNvPr>
+          <p:cNvCxnSpPr>
+            <a:cxnSpLocks/>
+            <a:stCxn id="14" idx="3"/>
+            <a:endCxn id="88" idx="1"/>
+          </p:cNvCxnSpPr>
+          <p:nvPr/>
+        </p:nvCxnSpPr>
+        <p:spPr>
+          <a:xfrm>
+            <a:off x="2167026" y="2186206"/>
+            <a:ext cx="1911827" cy="0"/>
+          </a:xfrm>
+          <a:prstGeom prst="straightConnector1">
+            <a:avLst/>
+          </a:prstGeom>
+          <a:ln>
+            <a:solidFill>
+              <a:schemeClr val="tx1"/>
+            </a:solidFill>
+          </a:ln>
+        </p:spPr>
+        <p:style>
+          <a:lnRef idx="2">
+            <a:schemeClr val="accent1"/>
+          </a:lnRef>
+          <a:fillRef idx="0">
+            <a:schemeClr val="accent1"/>
+          </a:fillRef>
+          <a:effectRef idx="1">
+            <a:schemeClr val="accent1"/>
+          </a:effectRef>
+          <a:fontRef idx="minor">
+            <a:schemeClr val="tx1"/>
+          </a:fontRef>
+        </p:style>
+      </p:cxnSp>
+      <p:grpSp>
+        <p:nvGrpSpPr>
+          <p:cNvPr id="9" name="Gruppo 8">
+            <a:extLst>
+              <a:ext uri="{FF2B5EF4-FFF2-40B4-BE49-F238E27FC236}">
+                <a16:creationId xmlns:a16="http://schemas.microsoft.com/office/drawing/2014/main" id="{E8D58DF2-7C40-16EE-B2CE-FE6FDF7BF61C}"/>
+              </a:ext>
+            </a:extLst>
+          </p:cNvPr>
+          <p:cNvGrpSpPr/>
+          <p:nvPr/>
+        </p:nvGrpSpPr>
+        <p:grpSpPr>
+          <a:xfrm>
+            <a:off x="1058551" y="4834505"/>
+            <a:ext cx="1754842" cy="1273100"/>
+            <a:chOff x="5230068" y="3731937"/>
+            <a:chExt cx="1754842" cy="1273100"/>
+          </a:xfrm>
+        </p:grpSpPr>
+        <p:sp>
+          <p:nvSpPr>
+            <p:cNvPr id="10" name="CasellaDiTesto 9">
+              <a:extLst>
+                <a:ext uri="{FF2B5EF4-FFF2-40B4-BE49-F238E27FC236}">
+                  <a16:creationId xmlns:a16="http://schemas.microsoft.com/office/drawing/2014/main" id="{3FFAFB98-653F-2EAC-2F88-5859F8B6EACE}"/>
+                </a:ext>
+              </a:extLst>
+            </p:cNvPr>
+            <p:cNvSpPr txBox="1"/>
+            <p:nvPr/>
+          </p:nvSpPr>
+          <p:spPr>
+            <a:xfrm>
+              <a:off x="5244771" y="4640588"/>
+              <a:ext cx="1725436" cy="261610"/>
+            </a:xfrm>
+            <a:prstGeom prst="rect">
+              <a:avLst/>
+            </a:prstGeom>
+            <a:noFill/>
+          </p:spPr>
+          <p:txBody>
+            <a:bodyPr wrap="square" rtlCol="0">
+              <a:spAutoFit/>
+            </a:bodyPr>
+            <a:lstStyle/>
+            <a:p>
+              <a:pPr algn="ctr"/>
+              <a:r>
+                <a:rPr lang="en-US" sz="1100" b="1" spc="300" dirty="0"/>
+                <a:t>EVENT</a:t>
+              </a:r>
+              <a:r>
+                <a:rPr lang="en-US" sz="1100" spc="300" dirty="0"/>
+                <a:t> SERVER</a:t>
+              </a:r>
+            </a:p>
+          </p:txBody>
+        </p:sp>
+        <p:sp>
+          <p:nvSpPr>
+            <p:cNvPr id="11" name="Rettangolo con angoli arrotondati 10">
+              <a:extLst>
+                <a:ext uri="{FF2B5EF4-FFF2-40B4-BE49-F238E27FC236}">
+                  <a16:creationId xmlns:a16="http://schemas.microsoft.com/office/drawing/2014/main" id="{DD5206C8-005B-7E51-F488-C1B28F5F62E3}"/>
+                </a:ext>
+              </a:extLst>
+            </p:cNvPr>
+            <p:cNvSpPr/>
+            <p:nvPr/>
+          </p:nvSpPr>
+          <p:spPr>
+            <a:xfrm>
+              <a:off x="5230068" y="3731937"/>
+              <a:ext cx="1754842" cy="1273100"/>
+            </a:xfrm>
+            <a:prstGeom prst="roundRect">
+              <a:avLst>
+                <a:gd name="adj" fmla="val 7027"/>
+              </a:avLst>
+            </a:prstGeom>
+            <a:noFill/>
+            <a:ln w="28575">
+              <a:solidFill>
+                <a:schemeClr val="tx1"/>
+              </a:solidFill>
+            </a:ln>
+          </p:spPr>
+          <p:style>
+            <a:lnRef idx="2">
+              <a:schemeClr val="accent1">
+                <a:shade val="15000"/>
+              </a:schemeClr>
+            </a:lnRef>
+            <a:fillRef idx="1">
+              <a:schemeClr val="accent1"/>
+            </a:fillRef>
+            <a:effectRef idx="0">
+              <a:schemeClr val="accent1"/>
+            </a:effectRef>
+            <a:fontRef idx="minor">
+              <a:schemeClr val="lt1"/>
+            </a:fontRef>
+          </p:style>
+          <p:txBody>
+            <a:bodyPr rtlCol="0" anchor="ctr"/>
+            <a:lstStyle/>
+            <a:p>
+              <a:pPr algn="ctr"/>
+              <a:endParaRPr lang="it-IT" dirty="0"/>
+            </a:p>
+          </p:txBody>
+        </p:sp>
+        <p:pic>
+          <p:nvPicPr>
+            <p:cNvPr id="12" name="Picture 12">
+              <a:extLst>
+                <a:ext uri="{FF2B5EF4-FFF2-40B4-BE49-F238E27FC236}">
+                  <a16:creationId xmlns:a16="http://schemas.microsoft.com/office/drawing/2014/main" id="{283424A4-DABC-24FB-616D-A438B8355F6E}"/>
+                </a:ext>
+              </a:extLst>
+            </p:cNvPr>
+            <p:cNvPicPr>
+              <a:picLocks noChangeAspect="1" noChangeArrowheads="1"/>
+            </p:cNvPicPr>
+            <p:nvPr/>
+          </p:nvPicPr>
+          <p:blipFill>
+            <a:blip r:embed="rId6">
+              <a:extLst>
+                <a:ext uri="{28A0092B-C50C-407E-A947-70E740481C1C}">
+                  <a14:useLocalDpi xmlns:a14="http://schemas.microsoft.com/office/drawing/2010/main" val="0"/>
+                </a:ext>
+              </a:extLst>
+            </a:blip>
+            <a:srcRect/>
+            <a:stretch>
+              <a:fillRect/>
+            </a:stretch>
+          </p:blipFill>
+          <p:spPr bwMode="auto">
+            <a:xfrm>
+              <a:off x="5782387" y="3935374"/>
+              <a:ext cx="650204" cy="570911"/>
+            </a:xfrm>
+            <a:prstGeom prst="rect">
+              <a:avLst/>
+            </a:prstGeom>
+            <a:noFill/>
+            <a:extLst>
+              <a:ext uri="{909E8E84-426E-40DD-AFC4-6F175D3DCCD1}">
+                <a14:hiddenFill xmlns:a14="http://schemas.microsoft.com/office/drawing/2010/main">
+                  <a:solidFill>
+                    <a:srgbClr val="FFFFFF"/>
+                  </a:solidFill>
+                </a14:hiddenFill>
+              </a:ext>
+            </a:extLst>
+          </p:spPr>
+        </p:pic>
+      </p:grpSp>
+      <p:grpSp>
+        <p:nvGrpSpPr>
+          <p:cNvPr id="13" name="Gruppo 12">
+            <a:extLst>
+              <a:ext uri="{FF2B5EF4-FFF2-40B4-BE49-F238E27FC236}">
+                <a16:creationId xmlns:a16="http://schemas.microsoft.com/office/drawing/2014/main" id="{6C8E7AD4-0AF1-BE36-6294-AEB14BDF7A10}"/>
+              </a:ext>
+            </a:extLst>
+          </p:cNvPr>
+          <p:cNvGrpSpPr/>
+          <p:nvPr/>
+        </p:nvGrpSpPr>
+        <p:grpSpPr>
+          <a:xfrm>
+            <a:off x="9388182" y="4834505"/>
+            <a:ext cx="1754842" cy="1273100"/>
+            <a:chOff x="5230068" y="3731937"/>
+            <a:chExt cx="1754842" cy="1273100"/>
+          </a:xfrm>
+        </p:grpSpPr>
+        <p:sp>
+          <p:nvSpPr>
+            <p:cNvPr id="15" name="CasellaDiTesto 14">
+              <a:extLst>
+                <a:ext uri="{FF2B5EF4-FFF2-40B4-BE49-F238E27FC236}">
+                  <a16:creationId xmlns:a16="http://schemas.microsoft.com/office/drawing/2014/main" id="{796FBEE9-5118-343C-F1D5-ED3469C619F0}"/>
+                </a:ext>
+              </a:extLst>
+            </p:cNvPr>
+            <p:cNvSpPr txBox="1"/>
+            <p:nvPr/>
+          </p:nvSpPr>
+          <p:spPr>
+            <a:xfrm>
+              <a:off x="5244771" y="4640588"/>
+              <a:ext cx="1725436" cy="261610"/>
+            </a:xfrm>
+            <a:prstGeom prst="rect">
+              <a:avLst/>
+            </a:prstGeom>
+            <a:noFill/>
+          </p:spPr>
+          <p:txBody>
+            <a:bodyPr wrap="square" rtlCol="0">
+              <a:spAutoFit/>
+            </a:bodyPr>
+            <a:lstStyle/>
+            <a:p>
+              <a:pPr algn="ctr"/>
+              <a:r>
+                <a:rPr lang="en-US" sz="1100" b="1" spc="300" dirty="0"/>
+                <a:t>EVENT</a:t>
+              </a:r>
+              <a:r>
+                <a:rPr lang="en-US" sz="1100" spc="300" dirty="0"/>
+                <a:t> SERVER</a:t>
+              </a:r>
+            </a:p>
+          </p:txBody>
+        </p:sp>
+        <p:sp>
+          <p:nvSpPr>
+            <p:cNvPr id="17" name="Rettangolo con angoli arrotondati 16">
+              <a:extLst>
+                <a:ext uri="{FF2B5EF4-FFF2-40B4-BE49-F238E27FC236}">
+                  <a16:creationId xmlns:a16="http://schemas.microsoft.com/office/drawing/2014/main" id="{44C3DD1C-D2C6-26E1-77E2-61B6CF225CB3}"/>
+                </a:ext>
+              </a:extLst>
+            </p:cNvPr>
+            <p:cNvSpPr/>
+            <p:nvPr/>
+          </p:nvSpPr>
+          <p:spPr>
+            <a:xfrm>
+              <a:off x="5230068" y="3731937"/>
+              <a:ext cx="1754842" cy="1273100"/>
+            </a:xfrm>
+            <a:prstGeom prst="roundRect">
+              <a:avLst>
+                <a:gd name="adj" fmla="val 7027"/>
+              </a:avLst>
+            </a:prstGeom>
+            <a:noFill/>
+            <a:ln w="28575">
+              <a:solidFill>
+                <a:schemeClr val="tx1"/>
+              </a:solidFill>
+            </a:ln>
+          </p:spPr>
+          <p:style>
+            <a:lnRef idx="2">
+              <a:schemeClr val="accent1">
+                <a:shade val="15000"/>
+              </a:schemeClr>
+            </a:lnRef>
+            <a:fillRef idx="1">
+              <a:schemeClr val="accent1"/>
+            </a:fillRef>
+            <a:effectRef idx="0">
+              <a:schemeClr val="accent1"/>
+            </a:effectRef>
+            <a:fontRef idx="minor">
+              <a:schemeClr val="lt1"/>
+            </a:fontRef>
+          </p:style>
+          <p:txBody>
+            <a:bodyPr rtlCol="0" anchor="ctr"/>
+            <a:lstStyle/>
+            <a:p>
+              <a:pPr algn="ctr"/>
+              <a:endParaRPr lang="it-IT" dirty="0"/>
+            </a:p>
+          </p:txBody>
+        </p:sp>
+        <p:pic>
+          <p:nvPicPr>
+            <p:cNvPr id="19" name="Picture 12">
+              <a:extLst>
+                <a:ext uri="{FF2B5EF4-FFF2-40B4-BE49-F238E27FC236}">
+                  <a16:creationId xmlns:a16="http://schemas.microsoft.com/office/drawing/2014/main" id="{86819790-5F26-7F48-5755-BAA728F80C80}"/>
+                </a:ext>
+              </a:extLst>
+            </p:cNvPr>
+            <p:cNvPicPr>
+              <a:picLocks noChangeAspect="1" noChangeArrowheads="1"/>
+            </p:cNvPicPr>
+            <p:nvPr/>
+          </p:nvPicPr>
+          <p:blipFill>
+            <a:blip r:embed="rId6">
+              <a:extLst>
+                <a:ext uri="{28A0092B-C50C-407E-A947-70E740481C1C}">
+                  <a14:useLocalDpi xmlns:a14="http://schemas.microsoft.com/office/drawing/2010/main" val="0"/>
+                </a:ext>
+              </a:extLst>
+            </a:blip>
+            <a:srcRect/>
+            <a:stretch>
+              <a:fillRect/>
+            </a:stretch>
+          </p:blipFill>
+          <p:spPr bwMode="auto">
+            <a:xfrm>
+              <a:off x="5782387" y="3935374"/>
+              <a:ext cx="650204" cy="570911"/>
+            </a:xfrm>
+            <a:prstGeom prst="rect">
+              <a:avLst/>
+            </a:prstGeom>
+            <a:noFill/>
+            <a:extLst>
+              <a:ext uri="{909E8E84-426E-40DD-AFC4-6F175D3DCCD1}">
+                <a14:hiddenFill xmlns:a14="http://schemas.microsoft.com/office/drawing/2010/main">
+                  <a:solidFill>
+                    <a:srgbClr val="FFFFFF"/>
+                  </a:solidFill>
+                </a14:hiddenFill>
+              </a:ext>
+            </a:extLst>
+          </p:spPr>
+        </p:pic>
+      </p:grpSp>
+      <p:cxnSp>
+        <p:nvCxnSpPr>
+          <p:cNvPr id="22" name="Connettore a gomito 97">
+            <a:extLst>
+              <a:ext uri="{FF2B5EF4-FFF2-40B4-BE49-F238E27FC236}">
+                <a16:creationId xmlns:a16="http://schemas.microsoft.com/office/drawing/2014/main" id="{40563E5E-64E0-BF9B-9C4A-486717FA411C}"/>
+              </a:ext>
+            </a:extLst>
+          </p:cNvPr>
+          <p:cNvCxnSpPr>
+            <a:cxnSpLocks/>
+            <a:stCxn id="67" idx="3"/>
+            <a:endCxn id="17" idx="1"/>
+          </p:cNvCxnSpPr>
+          <p:nvPr/>
+        </p:nvCxnSpPr>
+        <p:spPr>
+          <a:xfrm>
+            <a:off x="6970079" y="5471055"/>
+            <a:ext cx="2418103" cy="0"/>
+          </a:xfrm>
+          <a:prstGeom prst="straightConnector1">
+            <a:avLst/>
+          </a:prstGeom>
+          <a:ln>
+            <a:solidFill>
+              <a:schemeClr val="tx1"/>
+            </a:solidFill>
+            <a:headEnd type="arrow" w="med" len="med"/>
+            <a:tailEnd type="arrow" w="med" len="med"/>
+          </a:ln>
+        </p:spPr>
+        <p:style>
+          <a:lnRef idx="2">
+            <a:schemeClr val="accent1"/>
+          </a:lnRef>
+          <a:fillRef idx="0">
+            <a:schemeClr val="accent1"/>
+          </a:fillRef>
+          <a:effectRef idx="1">
+            <a:schemeClr val="accent1"/>
+          </a:effectRef>
+          <a:fontRef idx="minor">
+            <a:schemeClr val="tx1"/>
+          </a:fontRef>
+        </p:style>
+      </p:cxnSp>
+      <p:grpSp>
+        <p:nvGrpSpPr>
+          <p:cNvPr id="100" name="Gruppo 99">
+            <a:extLst>
+              <a:ext uri="{FF2B5EF4-FFF2-40B4-BE49-F238E27FC236}">
+                <a16:creationId xmlns:a16="http://schemas.microsoft.com/office/drawing/2014/main" id="{73CADB52-C7BD-6AD4-7F1A-E6A6ACC37941}"/>
+              </a:ext>
+            </a:extLst>
+          </p:cNvPr>
+          <p:cNvGrpSpPr/>
+          <p:nvPr/>
+        </p:nvGrpSpPr>
+        <p:grpSpPr>
+          <a:xfrm>
+            <a:off x="4078853" y="1237156"/>
+            <a:ext cx="4034294" cy="1898099"/>
+            <a:chOff x="3304137" y="1237156"/>
+            <a:chExt cx="4034294" cy="1898099"/>
+          </a:xfrm>
+        </p:grpSpPr>
+        <p:grpSp>
+          <p:nvGrpSpPr>
+            <p:cNvPr id="85" name="Gruppo 84">
+              <a:extLst>
+                <a:ext uri="{FF2B5EF4-FFF2-40B4-BE49-F238E27FC236}">
+                  <a16:creationId xmlns:a16="http://schemas.microsoft.com/office/drawing/2014/main" id="{BA58DDEE-89C0-CA54-1BFF-CE2DD3711860}"/>
+                </a:ext>
+              </a:extLst>
+            </p:cNvPr>
+            <p:cNvGrpSpPr/>
+            <p:nvPr/>
+          </p:nvGrpSpPr>
+          <p:grpSpPr>
+            <a:xfrm>
+              <a:off x="3304137" y="1237156"/>
+              <a:ext cx="1640558" cy="1898099"/>
+              <a:chOff x="5198480" y="1216809"/>
+              <a:chExt cx="1640558" cy="1898099"/>
+            </a:xfrm>
+          </p:grpSpPr>
+          <p:sp>
+            <p:nvSpPr>
+              <p:cNvPr id="87" name="CasellaDiTesto 86">
+                <a:extLst>
+                  <a:ext uri="{FF2B5EF4-FFF2-40B4-BE49-F238E27FC236}">
+                    <a16:creationId xmlns:a16="http://schemas.microsoft.com/office/drawing/2014/main" id="{96FF3C9B-805A-0A35-5A92-5281DEA4F8C0}"/>
+                  </a:ext>
+                </a:extLst>
+              </p:cNvPr>
+              <p:cNvSpPr txBox="1"/>
+              <p:nvPr/>
+            </p:nvSpPr>
+            <p:spPr>
+              <a:xfrm>
+                <a:off x="5447753" y="2735768"/>
+                <a:ext cx="1142013" cy="261610"/>
+              </a:xfrm>
+              <a:prstGeom prst="rect">
+                <a:avLst/>
+              </a:prstGeom>
+              <a:noFill/>
+            </p:spPr>
+            <p:txBody>
+              <a:bodyPr wrap="square" rtlCol="0">
+                <a:spAutoFit/>
+              </a:bodyPr>
+              <a:lstStyle/>
+              <a:p>
+                <a:pPr algn="ctr"/>
+                <a:r>
+                  <a:rPr lang="en-US" sz="1100" spc="300" dirty="0"/>
+                  <a:t>WEBAPP</a:t>
+                </a:r>
+              </a:p>
+            </p:txBody>
+          </p:sp>
+          <p:sp>
+            <p:nvSpPr>
+              <p:cNvPr id="88" name="Rettangolo con angoli arrotondati 87">
+                <a:extLst>
+                  <a:ext uri="{FF2B5EF4-FFF2-40B4-BE49-F238E27FC236}">
+                    <a16:creationId xmlns:a16="http://schemas.microsoft.com/office/drawing/2014/main" id="{6381F7C1-5874-621F-96EB-028E5393A646}"/>
+                  </a:ext>
+                </a:extLst>
+              </p:cNvPr>
+              <p:cNvSpPr/>
+              <p:nvPr/>
+            </p:nvSpPr>
+            <p:spPr>
+              <a:xfrm>
+                <a:off x="5198480" y="1216809"/>
+                <a:ext cx="1640558" cy="1898099"/>
+              </a:xfrm>
+              <a:prstGeom prst="roundRect">
+                <a:avLst>
+                  <a:gd name="adj" fmla="val 7027"/>
+                </a:avLst>
+              </a:prstGeom>
+              <a:noFill/>
+              <a:ln w="28575">
+                <a:solidFill>
+                  <a:schemeClr val="tx1"/>
+                </a:solidFill>
+              </a:ln>
+            </p:spPr>
+            <p:style>
+              <a:lnRef idx="2">
+                <a:schemeClr val="accent1">
+                  <a:shade val="15000"/>
+                </a:schemeClr>
+              </a:lnRef>
+              <a:fillRef idx="1">
+                <a:schemeClr val="accent1"/>
+              </a:fillRef>
+              <a:effectRef idx="0">
+                <a:schemeClr val="accent1"/>
+              </a:effectRef>
+              <a:fontRef idx="minor">
+                <a:schemeClr val="lt1"/>
+              </a:fontRef>
+            </p:style>
+            <p:txBody>
+              <a:bodyPr rtlCol="0" anchor="ctr"/>
+              <a:lstStyle/>
+              <a:p>
+                <a:pPr algn="ctr"/>
+                <a:endParaRPr lang="it-IT" dirty="0"/>
+              </a:p>
+            </p:txBody>
+          </p:sp>
+          <p:pic>
+            <p:nvPicPr>
+              <p:cNvPr id="89" name="Picture 2" descr="What is Tomcat? Everything You Need to Know">
+                <a:extLst>
+                  <a:ext uri="{FF2B5EF4-FFF2-40B4-BE49-F238E27FC236}">
+                    <a16:creationId xmlns:a16="http://schemas.microsoft.com/office/drawing/2014/main" id="{0396A120-0005-CBA4-6DB7-4B7DBF122269}"/>
+                  </a:ext>
+                </a:extLst>
+              </p:cNvPr>
+              <p:cNvPicPr>
+                <a:picLocks noChangeAspect="1" noChangeArrowheads="1"/>
+              </p:cNvPicPr>
+              <p:nvPr/>
+            </p:nvPicPr>
+            <p:blipFill rotWithShape="1">
+              <a:blip r:embed="rId7">
+                <a:extLst>
+                  <a:ext uri="{28A0092B-C50C-407E-A947-70E740481C1C}">
+                    <a14:useLocalDpi xmlns:a14="http://schemas.microsoft.com/office/drawing/2010/main" val="0"/>
+                  </a:ext>
+                </a:extLst>
+              </a:blip>
+              <a:srcRect l="26553" t="7743" r="28641" b="8554"/>
+              <a:stretch/>
+            </p:blipFill>
+            <p:spPr bwMode="auto">
+              <a:xfrm>
+                <a:off x="5398117" y="1347075"/>
+                <a:ext cx="1241283" cy="1304380"/>
+              </a:xfrm>
+              <a:prstGeom prst="rect">
+                <a:avLst/>
+              </a:prstGeom>
+              <a:noFill/>
+              <a:extLst>
+                <a:ext uri="{909E8E84-426E-40DD-AFC4-6F175D3DCCD1}">
+                  <a14:hiddenFill xmlns:a14="http://schemas.microsoft.com/office/drawing/2010/main">
+                    <a:solidFill>
+                      <a:srgbClr val="FFFFFF"/>
+                    </a:solidFill>
+                  </a14:hiddenFill>
+                </a:ext>
+              </a:extLst>
+            </p:spPr>
+          </p:pic>
+        </p:grpSp>
+        <p:grpSp>
+          <p:nvGrpSpPr>
+            <p:cNvPr id="95" name="Gruppo 94">
+              <a:extLst>
+                <a:ext uri="{FF2B5EF4-FFF2-40B4-BE49-F238E27FC236}">
+                  <a16:creationId xmlns:a16="http://schemas.microsoft.com/office/drawing/2014/main" id="{DBB3A597-457E-0DA6-26CC-42D6B1316EAB}"/>
+                </a:ext>
+              </a:extLst>
+            </p:cNvPr>
+            <p:cNvGrpSpPr/>
+            <p:nvPr/>
+          </p:nvGrpSpPr>
+          <p:grpSpPr>
+            <a:xfrm>
+              <a:off x="5909467" y="1237156"/>
+              <a:ext cx="1428964" cy="1898099"/>
+              <a:chOff x="175222" y="2130076"/>
+              <a:chExt cx="1428964" cy="1898099"/>
+            </a:xfrm>
+          </p:grpSpPr>
+          <p:sp>
+            <p:nvSpPr>
+              <p:cNvPr id="91" name="CasellaDiTesto 90">
+                <a:extLst>
+                  <a:ext uri="{FF2B5EF4-FFF2-40B4-BE49-F238E27FC236}">
+                    <a16:creationId xmlns:a16="http://schemas.microsoft.com/office/drawing/2014/main" id="{F5975FB0-830F-2205-C05A-D428153188E1}"/>
+                  </a:ext>
+                </a:extLst>
+              </p:cNvPr>
+              <p:cNvSpPr txBox="1"/>
+              <p:nvPr/>
+            </p:nvSpPr>
+            <p:spPr>
+              <a:xfrm>
+                <a:off x="318698" y="3649035"/>
+                <a:ext cx="1142013" cy="261610"/>
+              </a:xfrm>
+              <a:prstGeom prst="rect">
+                <a:avLst/>
+              </a:prstGeom>
+              <a:noFill/>
+            </p:spPr>
+            <p:txBody>
+              <a:bodyPr wrap="square" rtlCol="0">
+                <a:spAutoFit/>
+              </a:bodyPr>
+              <a:lstStyle/>
+              <a:p>
+                <a:pPr algn="ctr"/>
+                <a:r>
+                  <a:rPr lang="en-US" sz="1100" spc="300" dirty="0"/>
+                  <a:t>BACKEND</a:t>
+                </a:r>
+              </a:p>
+            </p:txBody>
+          </p:sp>
+          <p:sp>
+            <p:nvSpPr>
+              <p:cNvPr id="92" name="Rettangolo con angoli arrotondati 91">
+                <a:extLst>
+                  <a:ext uri="{FF2B5EF4-FFF2-40B4-BE49-F238E27FC236}">
+                    <a16:creationId xmlns:a16="http://schemas.microsoft.com/office/drawing/2014/main" id="{3236B099-80D0-2948-EBB5-AB998F304666}"/>
+                  </a:ext>
+                </a:extLst>
+              </p:cNvPr>
+              <p:cNvSpPr/>
+              <p:nvPr/>
+            </p:nvSpPr>
+            <p:spPr>
+              <a:xfrm>
+                <a:off x="175222" y="2130076"/>
+                <a:ext cx="1428964" cy="1898099"/>
+              </a:xfrm>
+              <a:prstGeom prst="roundRect">
+                <a:avLst>
+                  <a:gd name="adj" fmla="val 7027"/>
+                </a:avLst>
+              </a:prstGeom>
+              <a:noFill/>
+              <a:ln w="28575">
+                <a:solidFill>
+                  <a:schemeClr val="tx1"/>
+                </a:solidFill>
+              </a:ln>
+            </p:spPr>
+            <p:style>
+              <a:lnRef idx="2">
+                <a:schemeClr val="accent1">
+                  <a:shade val="15000"/>
+                </a:schemeClr>
+              </a:lnRef>
+              <a:fillRef idx="1">
+                <a:schemeClr val="accent1"/>
+              </a:fillRef>
+              <a:effectRef idx="0">
+                <a:schemeClr val="accent1"/>
+              </a:effectRef>
+              <a:fontRef idx="minor">
+                <a:schemeClr val="lt1"/>
+              </a:fontRef>
+            </p:style>
+            <p:txBody>
+              <a:bodyPr rtlCol="0" anchor="ctr"/>
+              <a:lstStyle/>
+              <a:p>
+                <a:pPr algn="ctr"/>
+                <a:endParaRPr lang="it-IT" dirty="0"/>
+              </a:p>
+            </p:txBody>
+          </p:sp>
+          <p:pic>
+            <p:nvPicPr>
+              <p:cNvPr id="94" name="Picture 14" descr="Java (programming language) - Wikipedia">
+                <a:extLst>
+                  <a:ext uri="{FF2B5EF4-FFF2-40B4-BE49-F238E27FC236}">
+                    <a16:creationId xmlns:a16="http://schemas.microsoft.com/office/drawing/2014/main" id="{7BD3FEA3-B0CE-3C02-85E7-3BBAF56FB2C7}"/>
+                  </a:ext>
+                </a:extLst>
+              </p:cNvPr>
+              <p:cNvPicPr>
+                <a:picLocks noChangeAspect="1" noChangeArrowheads="1"/>
+              </p:cNvPicPr>
+              <p:nvPr/>
+            </p:nvPicPr>
+            <p:blipFill>
+              <a:blip r:embed="rId8">
+                <a:extLst>
+                  <a:ext uri="{28A0092B-C50C-407E-A947-70E740481C1C}">
+                    <a14:useLocalDpi xmlns:a14="http://schemas.microsoft.com/office/drawing/2010/main" val="0"/>
+                  </a:ext>
+                </a:extLst>
+              </a:blip>
+              <a:srcRect/>
+              <a:stretch>
+                <a:fillRect/>
+              </a:stretch>
+            </p:blipFill>
+            <p:spPr bwMode="auto">
+              <a:xfrm>
+                <a:off x="534594" y="2262013"/>
+                <a:ext cx="710221" cy="1302274"/>
+              </a:xfrm>
+              <a:prstGeom prst="rect">
+                <a:avLst/>
+              </a:prstGeom>
+              <a:noFill/>
+              <a:extLst>
+                <a:ext uri="{909E8E84-426E-40DD-AFC4-6F175D3DCCD1}">
+                  <a14:hiddenFill xmlns:a14="http://schemas.microsoft.com/office/drawing/2010/main">
+                    <a:solidFill>
+                      <a:srgbClr val="FFFFFF"/>
+                    </a:solidFill>
+                  </a14:hiddenFill>
+                </a:ext>
+              </a:extLst>
+            </p:spPr>
+          </p:pic>
+        </p:grpSp>
+      </p:grpSp>
+      <p:cxnSp>
+        <p:nvCxnSpPr>
+          <p:cNvPr id="109" name="Connettore a gomito 97">
+            <a:extLst>
+              <a:ext uri="{FF2B5EF4-FFF2-40B4-BE49-F238E27FC236}">
+                <a16:creationId xmlns:a16="http://schemas.microsoft.com/office/drawing/2014/main" id="{92A208FD-34C4-8CD0-CAFE-AAF497A89AAA}"/>
+              </a:ext>
+            </a:extLst>
+          </p:cNvPr>
+          <p:cNvCxnSpPr>
+            <a:cxnSpLocks/>
+            <a:stCxn id="88" idx="3"/>
+            <a:endCxn id="92" idx="1"/>
+          </p:cNvCxnSpPr>
+          <p:nvPr/>
+        </p:nvCxnSpPr>
+        <p:spPr>
+          <a:xfrm>
+            <a:off x="5719411" y="2186206"/>
+            <a:ext cx="964772" cy="0"/>
+          </a:xfrm>
+          <a:prstGeom prst="straightConnector1">
+            <a:avLst/>
+          </a:prstGeom>
+          <a:ln>
+            <a:solidFill>
+              <a:schemeClr val="tx1"/>
+            </a:solidFill>
+          </a:ln>
+        </p:spPr>
+        <p:style>
+          <a:lnRef idx="2">
+            <a:schemeClr val="accent1"/>
+          </a:lnRef>
+          <a:fillRef idx="0">
+            <a:schemeClr val="accent1"/>
+          </a:fillRef>
+          <a:effectRef idx="1">
+            <a:schemeClr val="accent1"/>
+          </a:effectRef>
+          <a:fontRef idx="minor">
+            <a:schemeClr val="tx1"/>
+          </a:fontRef>
+        </p:style>
+      </p:cxnSp>
+    </p:spTree>
+    <p:extLst>
+      <p:ext uri="{BB962C8B-B14F-4D97-AF65-F5344CB8AC3E}">
+        <p14:creationId xmlns:p14="http://schemas.microsoft.com/office/powerpoint/2010/main" val="4102604938"/>
+      </p:ext>
+    </p:extLst>
+  </p:cSld>
+  <p:clrMapOvr>
+    <a:masterClrMapping/>
+  </p:clrMapOvr>
+</p:sld>
+</file>
+
+<file path=ppt/slides/slide3.xml><?xml version="1.0" encoding="utf-8"?>
+<p:sld xmlns:a="http://schemas.openxmlformats.org/drawingml/2006/main" xmlns:r="http://schemas.openxmlformats.org/officeDocument/2006/relationships" xmlns:p="http://schemas.openxmlformats.org/presentationml/2006/main">
+  <p:cSld>
+    <p:spTree>
+      <p:nvGrpSpPr>
+        <p:cNvPr id="1" name="">
+          <a:extLst>
+            <a:ext uri="{FF2B5EF4-FFF2-40B4-BE49-F238E27FC236}">
+              <a16:creationId xmlns:a16="http://schemas.microsoft.com/office/drawing/2014/main" id="{99871C1C-E53E-2C0A-0649-1C32023F9436}"/>
+            </a:ext>
+          </a:extLst>
+        </p:cNvPr>
+        <p:cNvGrpSpPr/>
+        <p:nvPr/>
+      </p:nvGrpSpPr>
+      <p:grpSpPr>
+        <a:xfrm>
+          <a:off x="0" y="0"/>
+          <a:ext cx="0" cy="0"/>
+          <a:chOff x="0" y="0"/>
+          <a:chExt cx="0" cy="0"/>
+        </a:xfrm>
+      </p:grpSpPr>
+      <p:grpSp>
+        <p:nvGrpSpPr>
+          <p:cNvPr id="113" name="Gruppo 112">
+            <a:extLst>
+              <a:ext uri="{FF2B5EF4-FFF2-40B4-BE49-F238E27FC236}">
+                <a16:creationId xmlns:a16="http://schemas.microsoft.com/office/drawing/2014/main" id="{8B3A8F6C-3C78-0755-350D-754FEFBF6B4B}"/>
+              </a:ext>
+            </a:extLst>
+          </p:cNvPr>
+          <p:cNvGrpSpPr/>
+          <p:nvPr/>
+        </p:nvGrpSpPr>
+        <p:grpSpPr>
+          <a:xfrm>
+            <a:off x="766763" y="478259"/>
+            <a:ext cx="10658475" cy="6155625"/>
+            <a:chOff x="766763" y="478259"/>
+            <a:chExt cx="10658475" cy="6155625"/>
+          </a:xfrm>
+        </p:grpSpPr>
+        <p:grpSp>
+          <p:nvGrpSpPr>
+            <p:cNvPr id="24" name="Gruppo 23">
+              <a:extLst>
+                <a:ext uri="{FF2B5EF4-FFF2-40B4-BE49-F238E27FC236}">
+                  <a16:creationId xmlns:a16="http://schemas.microsoft.com/office/drawing/2014/main" id="{9EC190C4-2603-2899-7BCC-6C2CCF901ECE}"/>
+                </a:ext>
+              </a:extLst>
+            </p:cNvPr>
+            <p:cNvGrpSpPr/>
+            <p:nvPr/>
+          </p:nvGrpSpPr>
+          <p:grpSpPr>
+            <a:xfrm>
+              <a:off x="961728" y="1583270"/>
+              <a:ext cx="1299346" cy="1205871"/>
+              <a:chOff x="4511797" y="895979"/>
+              <a:chExt cx="1299346" cy="1205871"/>
+            </a:xfrm>
+          </p:grpSpPr>
+          <p:sp>
+            <p:nvSpPr>
+              <p:cNvPr id="16" name="CasellaDiTesto 15">
+                <a:extLst>
+                  <a:ext uri="{FF2B5EF4-FFF2-40B4-BE49-F238E27FC236}">
+                    <a16:creationId xmlns:a16="http://schemas.microsoft.com/office/drawing/2014/main" id="{0ADA9687-D1BC-4BDF-5DF1-C2CFF0174628}"/>
+                  </a:ext>
+                </a:extLst>
+              </p:cNvPr>
+              <p:cNvSpPr txBox="1"/>
+              <p:nvPr/>
+            </p:nvSpPr>
+            <p:spPr>
+              <a:xfrm>
+                <a:off x="4511797" y="1772258"/>
+                <a:ext cx="1299346" cy="261610"/>
+              </a:xfrm>
+              <a:prstGeom prst="rect">
+                <a:avLst/>
+              </a:prstGeom>
+              <a:noFill/>
+            </p:spPr>
+            <p:txBody>
+              <a:bodyPr wrap="square" rtlCol="0">
+                <a:spAutoFit/>
+              </a:bodyPr>
+              <a:lstStyle/>
+              <a:p>
+                <a:pPr algn="ctr"/>
+                <a:r>
+                  <a:rPr lang="en-US" sz="1100" spc="300" dirty="0"/>
+                  <a:t>USER</a:t>
+                </a:r>
+              </a:p>
+            </p:txBody>
+          </p:sp>
+          <p:grpSp>
+            <p:nvGrpSpPr>
+              <p:cNvPr id="23" name="Gruppo 22">
+                <a:extLst>
+                  <a:ext uri="{FF2B5EF4-FFF2-40B4-BE49-F238E27FC236}">
+                    <a16:creationId xmlns:a16="http://schemas.microsoft.com/office/drawing/2014/main" id="{8F16305E-1CA7-9D03-478B-F0C52C9CBECA}"/>
+                  </a:ext>
+                </a:extLst>
+              </p:cNvPr>
+              <p:cNvGrpSpPr/>
+              <p:nvPr/>
+            </p:nvGrpSpPr>
+            <p:grpSpPr>
+              <a:xfrm>
+                <a:off x="4605845" y="895979"/>
+                <a:ext cx="1111250" cy="1205871"/>
+                <a:chOff x="4337295" y="895979"/>
+                <a:chExt cx="1111250" cy="1205871"/>
+              </a:xfrm>
+            </p:grpSpPr>
+            <p:sp>
+              <p:nvSpPr>
+                <p:cNvPr id="14" name="Rettangolo con angoli arrotondati 13">
+                  <a:extLst>
+                    <a:ext uri="{FF2B5EF4-FFF2-40B4-BE49-F238E27FC236}">
+                      <a16:creationId xmlns:a16="http://schemas.microsoft.com/office/drawing/2014/main" id="{B4D832BB-746C-7283-F805-38359E9F6C9B}"/>
+                    </a:ext>
+                  </a:extLst>
+                </p:cNvPr>
+                <p:cNvSpPr/>
+                <p:nvPr/>
+              </p:nvSpPr>
+              <p:spPr>
+                <a:xfrm>
+                  <a:off x="4337295" y="895979"/>
+                  <a:ext cx="1111250" cy="1205871"/>
+                </a:xfrm>
+                <a:prstGeom prst="roundRect">
+                  <a:avLst>
+                    <a:gd name="adj" fmla="val 7027"/>
+                  </a:avLst>
+                </a:prstGeom>
+                <a:noFill/>
+                <a:ln w="28575">
+                  <a:solidFill>
+                    <a:schemeClr val="tx1"/>
+                  </a:solidFill>
+                </a:ln>
+              </p:spPr>
+              <p:style>
+                <a:lnRef idx="2">
+                  <a:schemeClr val="accent1">
+                    <a:shade val="15000"/>
+                  </a:schemeClr>
+                </a:lnRef>
+                <a:fillRef idx="1">
+                  <a:schemeClr val="accent1"/>
+                </a:fillRef>
+                <a:effectRef idx="0">
+                  <a:schemeClr val="accent1"/>
+                </a:effectRef>
+                <a:fontRef idx="minor">
+                  <a:schemeClr val="lt1"/>
+                </a:fontRef>
+              </p:style>
+              <p:txBody>
+                <a:bodyPr rtlCol="0" anchor="ctr"/>
+                <a:lstStyle/>
+                <a:p>
+                  <a:pPr algn="ctr"/>
+                  <a:endParaRPr lang="it-IT"/>
+                </a:p>
+              </p:txBody>
+            </p:sp>
+            <p:pic>
+              <p:nvPicPr>
+                <p:cNvPr id="18" name="Elemento grafico 17" descr="Utente con riempimento a tinta unita">
+                  <a:extLst>
+                    <a:ext uri="{FF2B5EF4-FFF2-40B4-BE49-F238E27FC236}">
+                      <a16:creationId xmlns:a16="http://schemas.microsoft.com/office/drawing/2014/main" id="{D0F7DECD-D588-A47F-226E-92A32023ECCC}"/>
+                    </a:ext>
+                  </a:extLst>
+                </p:cNvPr>
+                <p:cNvPicPr>
+                  <a:picLocks noChangeAspect="1"/>
+                </p:cNvPicPr>
+                <p:nvPr/>
+              </p:nvPicPr>
+              <p:blipFill>
+                <a:blip r:embed="rId3">
+                  <a:extLst>
+                    <a:ext uri="{96DAC541-7B7A-43D3-8B79-37D633B846F1}">
+                      <asvg:svgBlip xmlns:asvg="http://schemas.microsoft.com/office/drawing/2016/SVG/main" r:embed="rId4"/>
+                    </a:ext>
+                  </a:extLst>
+                </a:blip>
+                <a:stretch>
+                  <a:fillRect/>
+                </a:stretch>
+              </p:blipFill>
+              <p:spPr>
+                <a:xfrm>
+                  <a:off x="4511711" y="979177"/>
+                  <a:ext cx="762419" cy="762419"/>
+                </a:xfrm>
+                <a:prstGeom prst="rect">
+                  <a:avLst/>
+                </a:prstGeom>
+              </p:spPr>
+            </p:pic>
+          </p:grpSp>
+        </p:grpSp>
+        <p:grpSp>
+          <p:nvGrpSpPr>
+            <p:cNvPr id="36" name="Gruppo 35">
+              <a:extLst>
+                <a:ext uri="{FF2B5EF4-FFF2-40B4-BE49-F238E27FC236}">
+                  <a16:creationId xmlns:a16="http://schemas.microsoft.com/office/drawing/2014/main" id="{B36AC442-0BAD-3DDC-18BC-D266A39DDDE9}"/>
+                </a:ext>
+              </a:extLst>
+            </p:cNvPr>
+            <p:cNvGrpSpPr/>
+            <p:nvPr/>
+          </p:nvGrpSpPr>
+          <p:grpSpPr>
+            <a:xfrm>
+              <a:off x="9502466" y="478259"/>
+              <a:ext cx="1640558" cy="1898099"/>
+              <a:chOff x="6273241" y="1459644"/>
+              <a:chExt cx="1640558" cy="1898099"/>
+            </a:xfrm>
+          </p:grpSpPr>
+          <p:pic>
+            <p:nvPicPr>
+              <p:cNvPr id="1030" name="Picture 6" descr="Scarica MySQL 8.0.40 per Windows - Filehippo.com">
+                <a:extLst>
+                  <a:ext uri="{FF2B5EF4-FFF2-40B4-BE49-F238E27FC236}">
+                    <a16:creationId xmlns:a16="http://schemas.microsoft.com/office/drawing/2014/main" id="{F42A78B2-BE86-4736-A595-A3A8E4B46230}"/>
+                  </a:ext>
+                </a:extLst>
+              </p:cNvPr>
+              <p:cNvPicPr>
+                <a:picLocks noChangeAspect="1" noChangeArrowheads="1"/>
+              </p:cNvPicPr>
+              <p:nvPr/>
+            </p:nvPicPr>
+            <p:blipFill>
+              <a:blip r:embed="rId5">
+                <a:extLst>
+                  <a:ext uri="{28A0092B-C50C-407E-A947-70E740481C1C}">
+                    <a14:useLocalDpi xmlns:a14="http://schemas.microsoft.com/office/drawing/2010/main" val="0"/>
+                  </a:ext>
+                </a:extLst>
+              </a:blip>
+              <a:srcRect/>
+              <a:stretch>
+                <a:fillRect/>
+              </a:stretch>
+            </p:blipFill>
+            <p:spPr bwMode="auto">
+              <a:xfrm>
+                <a:off x="6520608" y="1668178"/>
+                <a:ext cx="1142013" cy="1142013"/>
+              </a:xfrm>
+              <a:prstGeom prst="rect">
+                <a:avLst/>
+              </a:prstGeom>
+              <a:noFill/>
+              <a:extLst>
+                <a:ext uri="{909E8E84-426E-40DD-AFC4-6F175D3DCCD1}">
+                  <a14:hiddenFill xmlns:a14="http://schemas.microsoft.com/office/drawing/2010/main">
+                    <a:solidFill>
+                      <a:srgbClr val="FFFFFF"/>
+                    </a:solidFill>
+                  </a14:hiddenFill>
+                </a:ext>
+              </a:extLst>
+            </p:spPr>
+          </p:pic>
+          <p:sp>
+            <p:nvSpPr>
+              <p:cNvPr id="33" name="CasellaDiTesto 32">
+                <a:extLst>
+                  <a:ext uri="{FF2B5EF4-FFF2-40B4-BE49-F238E27FC236}">
+                    <a16:creationId xmlns:a16="http://schemas.microsoft.com/office/drawing/2014/main" id="{DD1B9B11-AF61-AE2E-DCCC-2CBC17ED9180}"/>
+                  </a:ext>
+                </a:extLst>
+              </p:cNvPr>
+              <p:cNvSpPr txBox="1"/>
+              <p:nvPr/>
+            </p:nvSpPr>
+            <p:spPr>
+              <a:xfrm>
+                <a:off x="6522514" y="2978603"/>
+                <a:ext cx="1142013" cy="261610"/>
+              </a:xfrm>
+              <a:prstGeom prst="rect">
+                <a:avLst/>
+              </a:prstGeom>
+              <a:noFill/>
+            </p:spPr>
+            <p:txBody>
+              <a:bodyPr wrap="square" rtlCol="0">
+                <a:spAutoFit/>
+              </a:bodyPr>
+              <a:lstStyle/>
+              <a:p>
+                <a:pPr algn="ctr"/>
+                <a:r>
+                  <a:rPr lang="en-US" sz="1100" spc="300" dirty="0"/>
+                  <a:t>DATABASE</a:t>
+                </a:r>
+              </a:p>
+            </p:txBody>
+          </p:sp>
+          <p:sp>
+            <p:nvSpPr>
+              <p:cNvPr id="34" name="Rettangolo con angoli arrotondati 33">
+                <a:extLst>
+                  <a:ext uri="{FF2B5EF4-FFF2-40B4-BE49-F238E27FC236}">
+                    <a16:creationId xmlns:a16="http://schemas.microsoft.com/office/drawing/2014/main" id="{4A69F463-0BA9-661C-0EE0-0BA32EA5F0A1}"/>
+                  </a:ext>
+                </a:extLst>
+              </p:cNvPr>
+              <p:cNvSpPr/>
+              <p:nvPr/>
+            </p:nvSpPr>
+            <p:spPr>
+              <a:xfrm>
+                <a:off x="6273241" y="1459644"/>
+                <a:ext cx="1640558" cy="1898099"/>
+              </a:xfrm>
+              <a:prstGeom prst="roundRect">
+                <a:avLst>
+                  <a:gd name="adj" fmla="val 7027"/>
+                </a:avLst>
+              </a:prstGeom>
+              <a:noFill/>
+              <a:ln w="28575">
+                <a:solidFill>
+                  <a:schemeClr val="tx1"/>
+                </a:solidFill>
+              </a:ln>
+            </p:spPr>
+            <p:style>
+              <a:lnRef idx="2">
+                <a:schemeClr val="accent1">
+                  <a:shade val="15000"/>
+                </a:schemeClr>
+              </a:lnRef>
+              <a:fillRef idx="1">
+                <a:schemeClr val="accent1"/>
+              </a:fillRef>
+              <a:effectRef idx="0">
+                <a:schemeClr val="accent1"/>
+              </a:effectRef>
+              <a:fontRef idx="minor">
+                <a:schemeClr val="lt1"/>
+              </a:fontRef>
+            </p:style>
+            <p:txBody>
+              <a:bodyPr rtlCol="0" anchor="ctr"/>
+              <a:lstStyle/>
+              <a:p>
+                <a:pPr algn="ctr"/>
+                <a:endParaRPr lang="it-IT" dirty="0"/>
+              </a:p>
+            </p:txBody>
+          </p:sp>
+        </p:grpSp>
+        <p:cxnSp>
+          <p:nvCxnSpPr>
+            <p:cNvPr id="38" name="Connettore a gomito 37">
+              <a:extLst>
+                <a:ext uri="{FF2B5EF4-FFF2-40B4-BE49-F238E27FC236}">
+                  <a16:creationId xmlns:a16="http://schemas.microsoft.com/office/drawing/2014/main" id="{40A0B0A9-1C34-333C-B13E-506BB956F2F8}"/>
+                </a:ext>
+              </a:extLst>
+            </p:cNvPr>
+            <p:cNvCxnSpPr>
+              <a:cxnSpLocks/>
+              <a:stCxn id="92" idx="3"/>
+            </p:cNvCxnSpPr>
+            <p:nvPr/>
+          </p:nvCxnSpPr>
+          <p:spPr>
+            <a:xfrm flipV="1">
+              <a:off x="8113147" y="1427308"/>
+              <a:ext cx="1360747" cy="758898"/>
+            </a:xfrm>
+            <a:prstGeom prst="bentConnector3">
+              <a:avLst>
+                <a:gd name="adj1" fmla="val 50000"/>
+              </a:avLst>
+            </a:prstGeom>
+            <a:ln>
+              <a:solidFill>
+                <a:schemeClr val="tx1"/>
+              </a:solidFill>
+            </a:ln>
+          </p:spPr>
+          <p:style>
+            <a:lnRef idx="2">
+              <a:schemeClr val="accent1"/>
+            </a:lnRef>
+            <a:fillRef idx="0">
+              <a:schemeClr val="accent1"/>
+            </a:fillRef>
+            <a:effectRef idx="1">
+              <a:schemeClr val="accent1"/>
+            </a:effectRef>
+            <a:fontRef idx="minor">
+              <a:schemeClr val="tx1"/>
+            </a:fontRef>
+          </p:style>
+        </p:cxnSp>
+        <p:grpSp>
+          <p:nvGrpSpPr>
+            <p:cNvPr id="8" name="Gruppo 7">
+              <a:extLst>
+                <a:ext uri="{FF2B5EF4-FFF2-40B4-BE49-F238E27FC236}">
+                  <a16:creationId xmlns:a16="http://schemas.microsoft.com/office/drawing/2014/main" id="{8862C9BF-EF75-323F-4DE3-F08E48244CFD}"/>
+                </a:ext>
+              </a:extLst>
+            </p:cNvPr>
+            <p:cNvGrpSpPr/>
+            <p:nvPr/>
+          </p:nvGrpSpPr>
+          <p:grpSpPr>
+            <a:xfrm>
+              <a:off x="5215237" y="4834505"/>
+              <a:ext cx="1754842" cy="1273100"/>
+              <a:chOff x="5230068" y="3731937"/>
+              <a:chExt cx="1754842" cy="1273100"/>
+            </a:xfrm>
+          </p:grpSpPr>
+          <p:sp>
+            <p:nvSpPr>
+              <p:cNvPr id="66" name="CasellaDiTesto 65">
+                <a:extLst>
+                  <a:ext uri="{FF2B5EF4-FFF2-40B4-BE49-F238E27FC236}">
+                    <a16:creationId xmlns:a16="http://schemas.microsoft.com/office/drawing/2014/main" id="{1F547845-4D59-9D42-B0EE-C35664DF251D}"/>
+                  </a:ext>
+                </a:extLst>
+              </p:cNvPr>
+              <p:cNvSpPr txBox="1"/>
+              <p:nvPr/>
+            </p:nvSpPr>
+            <p:spPr>
+              <a:xfrm>
+                <a:off x="5244771" y="4640588"/>
+                <a:ext cx="1725436" cy="261610"/>
+              </a:xfrm>
+              <a:prstGeom prst="rect">
+                <a:avLst/>
+              </a:prstGeom>
+              <a:noFill/>
+            </p:spPr>
+            <p:txBody>
+              <a:bodyPr wrap="square" rtlCol="0">
+                <a:spAutoFit/>
+              </a:bodyPr>
+              <a:lstStyle/>
+              <a:p>
+                <a:pPr algn="ctr"/>
+                <a:r>
+                  <a:rPr lang="en-US" sz="1100" b="1" spc="300" dirty="0"/>
+                  <a:t>EVENT</a:t>
+                </a:r>
+                <a:r>
+                  <a:rPr lang="en-US" sz="1100" spc="300" dirty="0"/>
+                  <a:t> SERVER</a:t>
+                </a:r>
+              </a:p>
+            </p:txBody>
+          </p:sp>
+          <p:sp>
+            <p:nvSpPr>
+              <p:cNvPr id="67" name="Rettangolo con angoli arrotondati 66">
+                <a:extLst>
+                  <a:ext uri="{FF2B5EF4-FFF2-40B4-BE49-F238E27FC236}">
+                    <a16:creationId xmlns:a16="http://schemas.microsoft.com/office/drawing/2014/main" id="{F1355D76-9EBF-5442-4D8A-2F61836E4374}"/>
+                  </a:ext>
+                </a:extLst>
+              </p:cNvPr>
+              <p:cNvSpPr/>
+              <p:nvPr/>
+            </p:nvSpPr>
+            <p:spPr>
+              <a:xfrm>
+                <a:off x="5230068" y="3731937"/>
+                <a:ext cx="1754842" cy="1273100"/>
+              </a:xfrm>
+              <a:prstGeom prst="roundRect">
+                <a:avLst>
+                  <a:gd name="adj" fmla="val 7027"/>
+                </a:avLst>
+              </a:prstGeom>
+              <a:noFill/>
+              <a:ln w="28575">
+                <a:solidFill>
+                  <a:schemeClr val="tx1"/>
+                </a:solidFill>
+              </a:ln>
+            </p:spPr>
+            <p:style>
+              <a:lnRef idx="2">
+                <a:schemeClr val="accent1">
+                  <a:shade val="15000"/>
+                </a:schemeClr>
+              </a:lnRef>
+              <a:fillRef idx="1">
+                <a:schemeClr val="accent1"/>
+              </a:fillRef>
+              <a:effectRef idx="0">
+                <a:schemeClr val="accent1"/>
+              </a:effectRef>
+              <a:fontRef idx="minor">
+                <a:schemeClr val="lt1"/>
+              </a:fontRef>
+            </p:style>
+            <p:txBody>
+              <a:bodyPr rtlCol="0" anchor="ctr"/>
+              <a:lstStyle/>
+              <a:p>
+                <a:pPr algn="ctr"/>
+                <a:endParaRPr lang="it-IT" dirty="0"/>
+              </a:p>
+            </p:txBody>
+          </p:sp>
+          <p:pic>
+            <p:nvPicPr>
+              <p:cNvPr id="72" name="Picture 12">
+                <a:extLst>
+                  <a:ext uri="{FF2B5EF4-FFF2-40B4-BE49-F238E27FC236}">
+                    <a16:creationId xmlns:a16="http://schemas.microsoft.com/office/drawing/2014/main" id="{11587215-D03D-B2E1-10F3-9CF0A00D24E9}"/>
+                  </a:ext>
+                </a:extLst>
+              </p:cNvPr>
+              <p:cNvPicPr>
+                <a:picLocks noChangeAspect="1" noChangeArrowheads="1"/>
+              </p:cNvPicPr>
+              <p:nvPr/>
+            </p:nvPicPr>
+            <p:blipFill>
+              <a:blip r:embed="rId6">
+                <a:extLst>
+                  <a:ext uri="{28A0092B-C50C-407E-A947-70E740481C1C}">
+                    <a14:useLocalDpi xmlns:a14="http://schemas.microsoft.com/office/drawing/2010/main" val="0"/>
+                  </a:ext>
+                </a:extLst>
+              </a:blip>
+              <a:srcRect/>
+              <a:stretch>
+                <a:fillRect/>
+              </a:stretch>
+            </p:blipFill>
+            <p:spPr bwMode="auto">
+              <a:xfrm>
+                <a:off x="5782387" y="3935374"/>
+                <a:ext cx="650204" cy="570911"/>
+              </a:xfrm>
+              <a:prstGeom prst="rect">
+                <a:avLst/>
+              </a:prstGeom>
+              <a:noFill/>
+              <a:extLst>
+                <a:ext uri="{909E8E84-426E-40DD-AFC4-6F175D3DCCD1}">
+                  <a14:hiddenFill xmlns:a14="http://schemas.microsoft.com/office/drawing/2010/main">
+                    <a:solidFill>
+                      <a:srgbClr val="FFFFFF"/>
+                    </a:solidFill>
+                  </a14:hiddenFill>
+                </a:ext>
+              </a:extLst>
+            </p:spPr>
+          </p:pic>
+        </p:grpSp>
+        <p:sp>
+          <p:nvSpPr>
+            <p:cNvPr id="97" name="Rettangolo con angoli arrotondati 96">
+              <a:extLst>
+                <a:ext uri="{FF2B5EF4-FFF2-40B4-BE49-F238E27FC236}">
+                  <a16:creationId xmlns:a16="http://schemas.microsoft.com/office/drawing/2014/main" id="{C0B89510-DD33-D843-1F40-2835D9674AC5}"/>
+                </a:ext>
+              </a:extLst>
+            </p:cNvPr>
+            <p:cNvSpPr/>
+            <p:nvPr/>
+          </p:nvSpPr>
+          <p:spPr>
+            <a:xfrm>
+              <a:off x="766763" y="4129894"/>
+              <a:ext cx="10658475" cy="2503990"/>
+            </a:xfrm>
+            <a:prstGeom prst="roundRect">
+              <a:avLst>
+                <a:gd name="adj" fmla="val 7027"/>
+              </a:avLst>
+            </a:prstGeom>
+            <a:noFill/>
+            <a:ln w="28575">
+              <a:solidFill>
+                <a:schemeClr val="tx1"/>
+              </a:solidFill>
+              <a:prstDash val="dash"/>
+            </a:ln>
+          </p:spPr>
+          <p:style>
+            <a:lnRef idx="2">
+              <a:schemeClr val="accent1">
+                <a:shade val="15000"/>
+              </a:schemeClr>
+            </a:lnRef>
+            <a:fillRef idx="1">
+              <a:schemeClr val="accent1"/>
+            </a:fillRef>
+            <a:effectRef idx="0">
+              <a:schemeClr val="accent1"/>
+            </a:effectRef>
+            <a:fontRef idx="minor">
+              <a:schemeClr val="lt1"/>
+            </a:fontRef>
+          </p:style>
+          <p:txBody>
+            <a:bodyPr rtlCol="0" anchor="ctr"/>
+            <a:lstStyle/>
+            <a:p>
+              <a:pPr algn="ctr"/>
+              <a:endParaRPr lang="it-IT" dirty="0"/>
+            </a:p>
+          </p:txBody>
+        </p:sp>
+        <p:cxnSp>
+          <p:nvCxnSpPr>
+            <p:cNvPr id="98" name="Connettore a gomito 97">
+              <a:extLst>
+                <a:ext uri="{FF2B5EF4-FFF2-40B4-BE49-F238E27FC236}">
+                  <a16:creationId xmlns:a16="http://schemas.microsoft.com/office/drawing/2014/main" id="{93C19727-EC56-B495-C1B0-9F7AC664DEDD}"/>
+                </a:ext>
+              </a:extLst>
+            </p:cNvPr>
+            <p:cNvCxnSpPr>
+              <a:cxnSpLocks/>
+              <a:stCxn id="92" idx="2"/>
+              <a:endCxn id="97" idx="0"/>
+            </p:cNvCxnSpPr>
+            <p:nvPr/>
+          </p:nvCxnSpPr>
+          <p:spPr>
+            <a:xfrm rot="5400000">
+              <a:off x="6250014" y="2981242"/>
+              <a:ext cx="994639" cy="1302664"/>
+            </a:xfrm>
+            <a:prstGeom prst="bentConnector3">
+              <a:avLst>
+                <a:gd name="adj1" fmla="val 50000"/>
+              </a:avLst>
+            </a:prstGeom>
+            <a:ln>
+              <a:solidFill>
+                <a:schemeClr val="tx1"/>
+              </a:solidFill>
+            </a:ln>
+          </p:spPr>
+          <p:style>
+            <a:lnRef idx="2">
+              <a:schemeClr val="accent1"/>
+            </a:lnRef>
+            <a:fillRef idx="0">
+              <a:schemeClr val="accent1"/>
+            </a:fillRef>
+            <a:effectRef idx="1">
+              <a:schemeClr val="accent1"/>
+            </a:effectRef>
+            <a:fontRef idx="minor">
+              <a:schemeClr val="tx1"/>
+            </a:fontRef>
+          </p:style>
+        </p:cxnSp>
+        <p:cxnSp>
+          <p:nvCxnSpPr>
+            <p:cNvPr id="101" name="Connettore a gomito 97">
+              <a:extLst>
+                <a:ext uri="{FF2B5EF4-FFF2-40B4-BE49-F238E27FC236}">
+                  <a16:creationId xmlns:a16="http://schemas.microsoft.com/office/drawing/2014/main" id="{1C6CC551-B6C1-A755-D225-9610B2128727}"/>
+                </a:ext>
+              </a:extLst>
+            </p:cNvPr>
+            <p:cNvCxnSpPr>
+              <a:cxnSpLocks/>
+              <a:stCxn id="11" idx="3"/>
+              <a:endCxn id="67" idx="1"/>
+            </p:cNvCxnSpPr>
+            <p:nvPr/>
+          </p:nvCxnSpPr>
+          <p:spPr>
+            <a:xfrm>
+              <a:off x="2813393" y="5471055"/>
+              <a:ext cx="2401844" cy="0"/>
+            </a:xfrm>
+            <a:prstGeom prst="straightConnector1">
+              <a:avLst/>
+            </a:prstGeom>
+            <a:ln>
+              <a:solidFill>
+                <a:schemeClr val="tx1"/>
+              </a:solidFill>
+              <a:headEnd type="arrow" w="med" len="med"/>
+              <a:tailEnd type="arrow" w="med" len="med"/>
+            </a:ln>
+          </p:spPr>
+          <p:style>
+            <a:lnRef idx="2">
+              <a:schemeClr val="accent1"/>
+            </a:lnRef>
+            <a:fillRef idx="0">
+              <a:schemeClr val="accent1"/>
+            </a:fillRef>
+            <a:effectRef idx="1">
+              <a:schemeClr val="accent1"/>
+            </a:effectRef>
+            <a:fontRef idx="minor">
+              <a:schemeClr val="tx1"/>
+            </a:fontRef>
+          </p:style>
+        </p:cxnSp>
+        <p:cxnSp>
+          <p:nvCxnSpPr>
+            <p:cNvPr id="104" name="Connettore a gomito 97">
+              <a:extLst>
+                <a:ext uri="{FF2B5EF4-FFF2-40B4-BE49-F238E27FC236}">
+                  <a16:creationId xmlns:a16="http://schemas.microsoft.com/office/drawing/2014/main" id="{58A7205D-DBC3-C96D-3C33-ED8D9D4B1300}"/>
+                </a:ext>
+              </a:extLst>
+            </p:cNvPr>
+            <p:cNvCxnSpPr>
+              <a:cxnSpLocks/>
+              <a:stCxn id="17" idx="0"/>
+              <a:endCxn id="11" idx="0"/>
+            </p:cNvCxnSpPr>
+            <p:nvPr/>
+          </p:nvCxnSpPr>
+          <p:spPr>
+            <a:xfrm rot="16200000" flipV="1">
+              <a:off x="6100788" y="669689"/>
+              <a:ext cx="12700" cy="8329631"/>
+            </a:xfrm>
+            <a:prstGeom prst="bentConnector3">
+              <a:avLst>
+                <a:gd name="adj1" fmla="val 3899969"/>
+              </a:avLst>
+            </a:prstGeom>
+            <a:ln>
+              <a:solidFill>
+                <a:schemeClr val="tx1"/>
+              </a:solidFill>
+              <a:headEnd type="arrow" w="med" len="med"/>
+              <a:tailEnd type="arrow" w="med" len="med"/>
+            </a:ln>
+          </p:spPr>
+          <p:style>
+            <a:lnRef idx="2">
+              <a:schemeClr val="accent1"/>
+            </a:lnRef>
+            <a:fillRef idx="0">
+              <a:schemeClr val="accent1"/>
+            </a:fillRef>
+            <a:effectRef idx="1">
+              <a:schemeClr val="accent1"/>
+            </a:effectRef>
+            <a:fontRef idx="minor">
+              <a:schemeClr val="tx1"/>
+            </a:fontRef>
+          </p:style>
+        </p:cxnSp>
+        <p:sp>
+          <p:nvSpPr>
+            <p:cNvPr id="108" name="CasellaDiTesto 107">
+              <a:extLst>
+                <a:ext uri="{FF2B5EF4-FFF2-40B4-BE49-F238E27FC236}">
+                  <a16:creationId xmlns:a16="http://schemas.microsoft.com/office/drawing/2014/main" id="{15479FD5-34DF-35FE-0673-2DC5C33DCA2A}"/>
+                </a:ext>
+              </a:extLst>
+            </p:cNvPr>
+            <p:cNvSpPr txBox="1"/>
+            <p:nvPr/>
+          </p:nvSpPr>
+          <p:spPr>
+            <a:xfrm>
+              <a:off x="4455748" y="6264594"/>
+              <a:ext cx="3273820" cy="261610"/>
+            </a:xfrm>
+            <a:prstGeom prst="rect">
+              <a:avLst/>
+            </a:prstGeom>
+            <a:noFill/>
+          </p:spPr>
+          <p:txBody>
+            <a:bodyPr wrap="square" rtlCol="0">
+              <a:spAutoFit/>
+            </a:bodyPr>
+            <a:lstStyle/>
+            <a:p>
+              <a:pPr algn="ctr"/>
+              <a:r>
+                <a:rPr lang="en-US" sz="1100" b="1" spc="300" dirty="0"/>
+                <a:t>DISTRIBUTED</a:t>
+              </a:r>
+              <a:r>
+                <a:rPr lang="en-US" sz="1100" spc="300" dirty="0"/>
+                <a:t> EVENT SERVERS</a:t>
+              </a:r>
+            </a:p>
+          </p:txBody>
+        </p:sp>
+        <p:cxnSp>
+          <p:nvCxnSpPr>
+            <p:cNvPr id="110" name="Connettore a gomito 97">
+              <a:extLst>
+                <a:ext uri="{FF2B5EF4-FFF2-40B4-BE49-F238E27FC236}">
+                  <a16:creationId xmlns:a16="http://schemas.microsoft.com/office/drawing/2014/main" id="{D0CE38D7-71CC-2550-2E04-B8C5D92C5F53}"/>
+                </a:ext>
+              </a:extLst>
+            </p:cNvPr>
+            <p:cNvCxnSpPr>
+              <a:cxnSpLocks/>
+              <a:stCxn id="14" idx="3"/>
+              <a:endCxn id="88" idx="1"/>
+            </p:cNvCxnSpPr>
+            <p:nvPr/>
+          </p:nvCxnSpPr>
+          <p:spPr>
+            <a:xfrm>
+              <a:off x="2167026" y="2186206"/>
+              <a:ext cx="1911827" cy="0"/>
+            </a:xfrm>
+            <a:prstGeom prst="straightConnector1">
+              <a:avLst/>
+            </a:prstGeom>
+            <a:ln>
+              <a:solidFill>
+                <a:schemeClr val="tx1"/>
+              </a:solidFill>
+            </a:ln>
+          </p:spPr>
+          <p:style>
+            <a:lnRef idx="2">
+              <a:schemeClr val="accent1"/>
+            </a:lnRef>
+            <a:fillRef idx="0">
+              <a:schemeClr val="accent1"/>
+            </a:fillRef>
+            <a:effectRef idx="1">
+              <a:schemeClr val="accent1"/>
+            </a:effectRef>
+            <a:fontRef idx="minor">
+              <a:schemeClr val="tx1"/>
+            </a:fontRef>
+          </p:style>
+        </p:cxnSp>
+        <p:grpSp>
+          <p:nvGrpSpPr>
+            <p:cNvPr id="9" name="Gruppo 8">
+              <a:extLst>
+                <a:ext uri="{FF2B5EF4-FFF2-40B4-BE49-F238E27FC236}">
+                  <a16:creationId xmlns:a16="http://schemas.microsoft.com/office/drawing/2014/main" id="{76495505-1298-0990-8315-E5A55B46D0B9}"/>
+                </a:ext>
+              </a:extLst>
+            </p:cNvPr>
+            <p:cNvGrpSpPr/>
+            <p:nvPr/>
+          </p:nvGrpSpPr>
+          <p:grpSpPr>
+            <a:xfrm>
+              <a:off x="1058551" y="4834505"/>
+              <a:ext cx="1754842" cy="1273100"/>
+              <a:chOff x="5230068" y="3731937"/>
+              <a:chExt cx="1754842" cy="1273100"/>
+            </a:xfrm>
+          </p:grpSpPr>
+          <p:sp>
+            <p:nvSpPr>
+              <p:cNvPr id="10" name="CasellaDiTesto 9">
+                <a:extLst>
+                  <a:ext uri="{FF2B5EF4-FFF2-40B4-BE49-F238E27FC236}">
+                    <a16:creationId xmlns:a16="http://schemas.microsoft.com/office/drawing/2014/main" id="{6FBBA90C-786F-A58A-250D-41BC84354368}"/>
+                  </a:ext>
+                </a:extLst>
+              </p:cNvPr>
+              <p:cNvSpPr txBox="1"/>
+              <p:nvPr/>
+            </p:nvSpPr>
+            <p:spPr>
+              <a:xfrm>
+                <a:off x="5244771" y="4640588"/>
+                <a:ext cx="1725436" cy="261610"/>
+              </a:xfrm>
+              <a:prstGeom prst="rect">
+                <a:avLst/>
+              </a:prstGeom>
+              <a:noFill/>
+            </p:spPr>
+            <p:txBody>
+              <a:bodyPr wrap="square" rtlCol="0">
+                <a:spAutoFit/>
+              </a:bodyPr>
+              <a:lstStyle/>
+              <a:p>
+                <a:pPr algn="ctr"/>
+                <a:r>
+                  <a:rPr lang="en-US" sz="1100" b="1" spc="300" dirty="0"/>
+                  <a:t>EVENT</a:t>
+                </a:r>
+                <a:r>
+                  <a:rPr lang="en-US" sz="1100" spc="300" dirty="0"/>
+                  <a:t> SERVER</a:t>
+                </a:r>
+              </a:p>
+            </p:txBody>
+          </p:sp>
+          <p:sp>
+            <p:nvSpPr>
+              <p:cNvPr id="11" name="Rettangolo con angoli arrotondati 10">
+                <a:extLst>
+                  <a:ext uri="{FF2B5EF4-FFF2-40B4-BE49-F238E27FC236}">
+                    <a16:creationId xmlns:a16="http://schemas.microsoft.com/office/drawing/2014/main" id="{AC466EE8-37B2-9A78-6B25-3099A5A55C2F}"/>
+                  </a:ext>
+                </a:extLst>
+              </p:cNvPr>
+              <p:cNvSpPr/>
+              <p:nvPr/>
+            </p:nvSpPr>
+            <p:spPr>
+              <a:xfrm>
+                <a:off x="5230068" y="3731937"/>
+                <a:ext cx="1754842" cy="1273100"/>
+              </a:xfrm>
+              <a:prstGeom prst="roundRect">
+                <a:avLst>
+                  <a:gd name="adj" fmla="val 7027"/>
+                </a:avLst>
+              </a:prstGeom>
+              <a:noFill/>
+              <a:ln w="28575">
+                <a:solidFill>
+                  <a:schemeClr val="tx1"/>
+                </a:solidFill>
+              </a:ln>
+            </p:spPr>
+            <p:style>
+              <a:lnRef idx="2">
+                <a:schemeClr val="accent1">
+                  <a:shade val="15000"/>
+                </a:schemeClr>
+              </a:lnRef>
+              <a:fillRef idx="1">
+                <a:schemeClr val="accent1"/>
+              </a:fillRef>
+              <a:effectRef idx="0">
+                <a:schemeClr val="accent1"/>
+              </a:effectRef>
+              <a:fontRef idx="minor">
+                <a:schemeClr val="lt1"/>
+              </a:fontRef>
+            </p:style>
+            <p:txBody>
+              <a:bodyPr rtlCol="0" anchor="ctr"/>
+              <a:lstStyle/>
+              <a:p>
+                <a:pPr algn="ctr"/>
+                <a:endParaRPr lang="it-IT" dirty="0"/>
+              </a:p>
+            </p:txBody>
+          </p:sp>
+          <p:pic>
+            <p:nvPicPr>
+              <p:cNvPr id="12" name="Picture 12">
+                <a:extLst>
+                  <a:ext uri="{FF2B5EF4-FFF2-40B4-BE49-F238E27FC236}">
+                    <a16:creationId xmlns:a16="http://schemas.microsoft.com/office/drawing/2014/main" id="{12DF052A-89D2-CF48-3BBD-CB5734AB1F30}"/>
+                  </a:ext>
+                </a:extLst>
+              </p:cNvPr>
+              <p:cNvPicPr>
+                <a:picLocks noChangeAspect="1" noChangeArrowheads="1"/>
+              </p:cNvPicPr>
+              <p:nvPr/>
+            </p:nvPicPr>
+            <p:blipFill>
+              <a:blip r:embed="rId6">
+                <a:extLst>
+                  <a:ext uri="{28A0092B-C50C-407E-A947-70E740481C1C}">
+                    <a14:useLocalDpi xmlns:a14="http://schemas.microsoft.com/office/drawing/2010/main" val="0"/>
+                  </a:ext>
+                </a:extLst>
+              </a:blip>
+              <a:srcRect/>
+              <a:stretch>
+                <a:fillRect/>
+              </a:stretch>
+            </p:blipFill>
+            <p:spPr bwMode="auto">
+              <a:xfrm>
+                <a:off x="5782387" y="3935374"/>
+                <a:ext cx="650204" cy="570911"/>
+              </a:xfrm>
+              <a:prstGeom prst="rect">
+                <a:avLst/>
+              </a:prstGeom>
+              <a:noFill/>
+              <a:extLst>
+                <a:ext uri="{909E8E84-426E-40DD-AFC4-6F175D3DCCD1}">
+                  <a14:hiddenFill xmlns:a14="http://schemas.microsoft.com/office/drawing/2010/main">
+                    <a:solidFill>
+                      <a:srgbClr val="FFFFFF"/>
+                    </a:solidFill>
+                  </a14:hiddenFill>
+                </a:ext>
+              </a:extLst>
+            </p:spPr>
+          </p:pic>
+        </p:grpSp>
+        <p:grpSp>
+          <p:nvGrpSpPr>
+            <p:cNvPr id="13" name="Gruppo 12">
+              <a:extLst>
+                <a:ext uri="{FF2B5EF4-FFF2-40B4-BE49-F238E27FC236}">
+                  <a16:creationId xmlns:a16="http://schemas.microsoft.com/office/drawing/2014/main" id="{8AE76F5B-405C-ECF0-A329-7D6A0CF8FA10}"/>
+                </a:ext>
+              </a:extLst>
+            </p:cNvPr>
+            <p:cNvGrpSpPr/>
+            <p:nvPr/>
+          </p:nvGrpSpPr>
+          <p:grpSpPr>
+            <a:xfrm>
+              <a:off x="9388182" y="4834505"/>
+              <a:ext cx="1754842" cy="1273100"/>
+              <a:chOff x="5230068" y="3731937"/>
+              <a:chExt cx="1754842" cy="1273100"/>
+            </a:xfrm>
+          </p:grpSpPr>
+          <p:sp>
+            <p:nvSpPr>
+              <p:cNvPr id="15" name="CasellaDiTesto 14">
+                <a:extLst>
+                  <a:ext uri="{FF2B5EF4-FFF2-40B4-BE49-F238E27FC236}">
+                    <a16:creationId xmlns:a16="http://schemas.microsoft.com/office/drawing/2014/main" id="{21F645F4-643E-9986-C263-FC3BA25FA038}"/>
+                  </a:ext>
+                </a:extLst>
+              </p:cNvPr>
+              <p:cNvSpPr txBox="1"/>
+              <p:nvPr/>
+            </p:nvSpPr>
+            <p:spPr>
+              <a:xfrm>
+                <a:off x="5244771" y="4640588"/>
+                <a:ext cx="1725436" cy="261610"/>
+              </a:xfrm>
+              <a:prstGeom prst="rect">
+                <a:avLst/>
+              </a:prstGeom>
+              <a:noFill/>
+            </p:spPr>
+            <p:txBody>
+              <a:bodyPr wrap="square" rtlCol="0">
+                <a:spAutoFit/>
+              </a:bodyPr>
+              <a:lstStyle/>
+              <a:p>
+                <a:pPr algn="ctr"/>
+                <a:r>
+                  <a:rPr lang="en-US" sz="1100" b="1" spc="300" dirty="0"/>
+                  <a:t>EVENT</a:t>
+                </a:r>
+                <a:r>
+                  <a:rPr lang="en-US" sz="1100" spc="300" dirty="0"/>
+                  <a:t> SERVER</a:t>
+                </a:r>
+              </a:p>
+            </p:txBody>
+          </p:sp>
+          <p:sp>
+            <p:nvSpPr>
+              <p:cNvPr id="17" name="Rettangolo con angoli arrotondati 16">
+                <a:extLst>
+                  <a:ext uri="{FF2B5EF4-FFF2-40B4-BE49-F238E27FC236}">
+                    <a16:creationId xmlns:a16="http://schemas.microsoft.com/office/drawing/2014/main" id="{2CB9AEC3-808E-E34C-F132-B63B2C500E72}"/>
+                  </a:ext>
+                </a:extLst>
+              </p:cNvPr>
+              <p:cNvSpPr/>
+              <p:nvPr/>
+            </p:nvSpPr>
+            <p:spPr>
+              <a:xfrm>
+                <a:off x="5230068" y="3731937"/>
+                <a:ext cx="1754842" cy="1273100"/>
+              </a:xfrm>
+              <a:prstGeom prst="roundRect">
+                <a:avLst>
+                  <a:gd name="adj" fmla="val 7027"/>
+                </a:avLst>
+              </a:prstGeom>
+              <a:noFill/>
+              <a:ln w="28575">
+                <a:solidFill>
+                  <a:schemeClr val="tx1"/>
+                </a:solidFill>
+              </a:ln>
+            </p:spPr>
+            <p:style>
+              <a:lnRef idx="2">
+                <a:schemeClr val="accent1">
+                  <a:shade val="15000"/>
+                </a:schemeClr>
+              </a:lnRef>
+              <a:fillRef idx="1">
+                <a:schemeClr val="accent1"/>
+              </a:fillRef>
+              <a:effectRef idx="0">
+                <a:schemeClr val="accent1"/>
+              </a:effectRef>
+              <a:fontRef idx="minor">
+                <a:schemeClr val="lt1"/>
+              </a:fontRef>
+            </p:style>
+            <p:txBody>
+              <a:bodyPr rtlCol="0" anchor="ctr"/>
+              <a:lstStyle/>
+              <a:p>
+                <a:pPr algn="ctr"/>
+                <a:endParaRPr lang="it-IT" dirty="0"/>
+              </a:p>
+            </p:txBody>
+          </p:sp>
+          <p:pic>
+            <p:nvPicPr>
+              <p:cNvPr id="19" name="Picture 12">
+                <a:extLst>
+                  <a:ext uri="{FF2B5EF4-FFF2-40B4-BE49-F238E27FC236}">
+                    <a16:creationId xmlns:a16="http://schemas.microsoft.com/office/drawing/2014/main" id="{DE83C69F-7ECF-ED53-EB94-19DA414D16B1}"/>
+                  </a:ext>
+                </a:extLst>
+              </p:cNvPr>
+              <p:cNvPicPr>
+                <a:picLocks noChangeAspect="1" noChangeArrowheads="1"/>
+              </p:cNvPicPr>
+              <p:nvPr/>
+            </p:nvPicPr>
+            <p:blipFill>
+              <a:blip r:embed="rId6">
+                <a:extLst>
+                  <a:ext uri="{28A0092B-C50C-407E-A947-70E740481C1C}">
+                    <a14:useLocalDpi xmlns:a14="http://schemas.microsoft.com/office/drawing/2010/main" val="0"/>
+                  </a:ext>
+                </a:extLst>
+              </a:blip>
+              <a:srcRect/>
+              <a:stretch>
+                <a:fillRect/>
+              </a:stretch>
+            </p:blipFill>
+            <p:spPr bwMode="auto">
+              <a:xfrm>
+                <a:off x="5782387" y="3935374"/>
+                <a:ext cx="650204" cy="570911"/>
+              </a:xfrm>
+              <a:prstGeom prst="rect">
+                <a:avLst/>
+              </a:prstGeom>
+              <a:noFill/>
+              <a:extLst>
+                <a:ext uri="{909E8E84-426E-40DD-AFC4-6F175D3DCCD1}">
+                  <a14:hiddenFill xmlns:a14="http://schemas.microsoft.com/office/drawing/2010/main">
+                    <a:solidFill>
+                      <a:srgbClr val="FFFFFF"/>
+                    </a:solidFill>
+                  </a14:hiddenFill>
+                </a:ext>
+              </a:extLst>
+            </p:spPr>
+          </p:pic>
+        </p:grpSp>
+        <p:cxnSp>
+          <p:nvCxnSpPr>
+            <p:cNvPr id="22" name="Connettore a gomito 97">
+              <a:extLst>
+                <a:ext uri="{FF2B5EF4-FFF2-40B4-BE49-F238E27FC236}">
+                  <a16:creationId xmlns:a16="http://schemas.microsoft.com/office/drawing/2014/main" id="{03235DA4-3CCE-3CD1-218C-C0460B7255DF}"/>
+                </a:ext>
+              </a:extLst>
+            </p:cNvPr>
+            <p:cNvCxnSpPr>
+              <a:cxnSpLocks/>
+              <a:stCxn id="67" idx="3"/>
+              <a:endCxn id="17" idx="1"/>
+            </p:cNvCxnSpPr>
+            <p:nvPr/>
+          </p:nvCxnSpPr>
+          <p:spPr>
+            <a:xfrm>
+              <a:off x="6970079" y="5471055"/>
+              <a:ext cx="2418103" cy="0"/>
+            </a:xfrm>
+            <a:prstGeom prst="straightConnector1">
+              <a:avLst/>
+            </a:prstGeom>
+            <a:ln>
+              <a:solidFill>
+                <a:schemeClr val="tx1"/>
+              </a:solidFill>
+              <a:headEnd type="arrow" w="med" len="med"/>
+              <a:tailEnd type="arrow" w="med" len="med"/>
+            </a:ln>
+          </p:spPr>
+          <p:style>
+            <a:lnRef idx="2">
+              <a:schemeClr val="accent1"/>
+            </a:lnRef>
+            <a:fillRef idx="0">
+              <a:schemeClr val="accent1"/>
+            </a:fillRef>
+            <a:effectRef idx="1">
+              <a:schemeClr val="accent1"/>
+            </a:effectRef>
+            <a:fontRef idx="minor">
+              <a:schemeClr val="tx1"/>
+            </a:fontRef>
+          </p:style>
+        </p:cxnSp>
+        <p:grpSp>
+          <p:nvGrpSpPr>
+            <p:cNvPr id="100" name="Gruppo 99">
+              <a:extLst>
+                <a:ext uri="{FF2B5EF4-FFF2-40B4-BE49-F238E27FC236}">
+                  <a16:creationId xmlns:a16="http://schemas.microsoft.com/office/drawing/2014/main" id="{90BE3D9B-0892-4A2D-377E-C18CDD96517D}"/>
+                </a:ext>
+              </a:extLst>
+            </p:cNvPr>
+            <p:cNvGrpSpPr/>
+            <p:nvPr/>
+          </p:nvGrpSpPr>
+          <p:grpSpPr>
+            <a:xfrm>
+              <a:off x="4078853" y="1237156"/>
+              <a:ext cx="4034294" cy="1898099"/>
+              <a:chOff x="3304137" y="1237156"/>
+              <a:chExt cx="4034294" cy="1898099"/>
+            </a:xfrm>
+          </p:grpSpPr>
+          <p:grpSp>
+            <p:nvGrpSpPr>
+              <p:cNvPr id="85" name="Gruppo 84">
+                <a:extLst>
+                  <a:ext uri="{FF2B5EF4-FFF2-40B4-BE49-F238E27FC236}">
+                    <a16:creationId xmlns:a16="http://schemas.microsoft.com/office/drawing/2014/main" id="{98B64C39-BBA1-D846-0689-675D3AD009CB}"/>
+                  </a:ext>
+                </a:extLst>
+              </p:cNvPr>
+              <p:cNvGrpSpPr/>
+              <p:nvPr/>
+            </p:nvGrpSpPr>
+            <p:grpSpPr>
+              <a:xfrm>
+                <a:off x="3304137" y="1237156"/>
+                <a:ext cx="1640558" cy="1898099"/>
+                <a:chOff x="5198480" y="1216809"/>
+                <a:chExt cx="1640558" cy="1898099"/>
+              </a:xfrm>
+            </p:grpSpPr>
+            <p:sp>
+              <p:nvSpPr>
+                <p:cNvPr id="87" name="CasellaDiTesto 86">
+                  <a:extLst>
+                    <a:ext uri="{FF2B5EF4-FFF2-40B4-BE49-F238E27FC236}">
+                      <a16:creationId xmlns:a16="http://schemas.microsoft.com/office/drawing/2014/main" id="{2D4F32FA-0623-2DCE-721E-DA0619D53003}"/>
+                    </a:ext>
+                  </a:extLst>
+                </p:cNvPr>
+                <p:cNvSpPr txBox="1"/>
+                <p:nvPr/>
+              </p:nvSpPr>
+              <p:spPr>
+                <a:xfrm>
+                  <a:off x="5447753" y="2735768"/>
+                  <a:ext cx="1142013" cy="261610"/>
+                </a:xfrm>
+                <a:prstGeom prst="rect">
+                  <a:avLst/>
+                </a:prstGeom>
+                <a:noFill/>
+              </p:spPr>
+              <p:txBody>
+                <a:bodyPr wrap="square" rtlCol="0">
+                  <a:spAutoFit/>
+                </a:bodyPr>
+                <a:lstStyle/>
+                <a:p>
+                  <a:pPr algn="ctr"/>
+                  <a:r>
+                    <a:rPr lang="en-US" sz="1100" spc="300" dirty="0"/>
+                    <a:t>WEBAPP</a:t>
+                  </a:r>
+                </a:p>
+              </p:txBody>
+            </p:sp>
+            <p:sp>
+              <p:nvSpPr>
+                <p:cNvPr id="88" name="Rettangolo con angoli arrotondati 87">
+                  <a:extLst>
+                    <a:ext uri="{FF2B5EF4-FFF2-40B4-BE49-F238E27FC236}">
+                      <a16:creationId xmlns:a16="http://schemas.microsoft.com/office/drawing/2014/main" id="{7A6F3DF4-C4A0-A7FC-92DE-53C0B088935C}"/>
+                    </a:ext>
+                  </a:extLst>
+                </p:cNvPr>
+                <p:cNvSpPr/>
+                <p:nvPr/>
+              </p:nvSpPr>
+              <p:spPr>
+                <a:xfrm>
+                  <a:off x="5198480" y="1216809"/>
+                  <a:ext cx="1640558" cy="1898099"/>
+                </a:xfrm>
+                <a:prstGeom prst="roundRect">
+                  <a:avLst>
+                    <a:gd name="adj" fmla="val 7027"/>
+                  </a:avLst>
+                </a:prstGeom>
+                <a:noFill/>
+                <a:ln w="28575">
+                  <a:solidFill>
+                    <a:schemeClr val="tx1"/>
+                  </a:solidFill>
+                </a:ln>
+              </p:spPr>
+              <p:style>
+                <a:lnRef idx="2">
+                  <a:schemeClr val="accent1">
+                    <a:shade val="15000"/>
+                  </a:schemeClr>
+                </a:lnRef>
+                <a:fillRef idx="1">
+                  <a:schemeClr val="accent1"/>
+                </a:fillRef>
+                <a:effectRef idx="0">
+                  <a:schemeClr val="accent1"/>
+                </a:effectRef>
+                <a:fontRef idx="minor">
+                  <a:schemeClr val="lt1"/>
+                </a:fontRef>
+              </p:style>
+              <p:txBody>
+                <a:bodyPr rtlCol="0" anchor="ctr"/>
+                <a:lstStyle/>
+                <a:p>
+                  <a:pPr algn="ctr"/>
+                  <a:endParaRPr lang="it-IT" dirty="0"/>
+                </a:p>
+              </p:txBody>
+            </p:sp>
+            <p:pic>
+              <p:nvPicPr>
+                <p:cNvPr id="89" name="Picture 2" descr="What is Tomcat? Everything You Need to Know">
+                  <a:extLst>
+                    <a:ext uri="{FF2B5EF4-FFF2-40B4-BE49-F238E27FC236}">
+                      <a16:creationId xmlns:a16="http://schemas.microsoft.com/office/drawing/2014/main" id="{8FBF080C-98B2-0219-98DA-530FB38A05C6}"/>
+                    </a:ext>
+                  </a:extLst>
+                </p:cNvPr>
+                <p:cNvPicPr>
+                  <a:picLocks noChangeAspect="1" noChangeArrowheads="1"/>
+                </p:cNvPicPr>
+                <p:nvPr/>
+              </p:nvPicPr>
+              <p:blipFill rotWithShape="1">
+                <a:blip r:embed="rId7">
+                  <a:extLst>
+                    <a:ext uri="{28A0092B-C50C-407E-A947-70E740481C1C}">
+                      <a14:useLocalDpi xmlns:a14="http://schemas.microsoft.com/office/drawing/2010/main" val="0"/>
+                    </a:ext>
+                  </a:extLst>
+                </a:blip>
+                <a:srcRect l="26553" t="7743" r="28641" b="8554"/>
+                <a:stretch/>
+              </p:blipFill>
+              <p:spPr bwMode="auto">
+                <a:xfrm>
+                  <a:off x="5398117" y="1347075"/>
+                  <a:ext cx="1241283" cy="1304380"/>
+                </a:xfrm>
+                <a:prstGeom prst="rect">
+                  <a:avLst/>
+                </a:prstGeom>
+                <a:noFill/>
+                <a:extLst>
+                  <a:ext uri="{909E8E84-426E-40DD-AFC4-6F175D3DCCD1}">
+                    <a14:hiddenFill xmlns:a14="http://schemas.microsoft.com/office/drawing/2010/main">
+                      <a:solidFill>
+                        <a:srgbClr val="FFFFFF"/>
+                      </a:solidFill>
+                    </a14:hiddenFill>
+                  </a:ext>
+                </a:extLst>
+              </p:spPr>
+            </p:pic>
+          </p:grpSp>
+          <p:grpSp>
+            <p:nvGrpSpPr>
+              <p:cNvPr id="95" name="Gruppo 94">
+                <a:extLst>
+                  <a:ext uri="{FF2B5EF4-FFF2-40B4-BE49-F238E27FC236}">
+                    <a16:creationId xmlns:a16="http://schemas.microsoft.com/office/drawing/2014/main" id="{408EA3AA-86C5-D65F-7771-0BF23945F8EE}"/>
+                  </a:ext>
+                </a:extLst>
+              </p:cNvPr>
+              <p:cNvGrpSpPr/>
+              <p:nvPr/>
+            </p:nvGrpSpPr>
+            <p:grpSpPr>
+              <a:xfrm>
+                <a:off x="5909467" y="1237156"/>
+                <a:ext cx="1428964" cy="1898099"/>
+                <a:chOff x="175222" y="2130076"/>
+                <a:chExt cx="1428964" cy="1898099"/>
+              </a:xfrm>
+            </p:grpSpPr>
+            <p:sp>
+              <p:nvSpPr>
+                <p:cNvPr id="91" name="CasellaDiTesto 90">
+                  <a:extLst>
+                    <a:ext uri="{FF2B5EF4-FFF2-40B4-BE49-F238E27FC236}">
+                      <a16:creationId xmlns:a16="http://schemas.microsoft.com/office/drawing/2014/main" id="{2C4CD9D2-0D48-5312-D759-A34299C82946}"/>
+                    </a:ext>
+                  </a:extLst>
+                </p:cNvPr>
+                <p:cNvSpPr txBox="1"/>
+                <p:nvPr/>
+              </p:nvSpPr>
+              <p:spPr>
+                <a:xfrm>
+                  <a:off x="318698" y="3649035"/>
+                  <a:ext cx="1142013" cy="261610"/>
+                </a:xfrm>
+                <a:prstGeom prst="rect">
+                  <a:avLst/>
+                </a:prstGeom>
+                <a:noFill/>
+              </p:spPr>
+              <p:txBody>
+                <a:bodyPr wrap="square" rtlCol="0">
+                  <a:spAutoFit/>
+                </a:bodyPr>
+                <a:lstStyle/>
+                <a:p>
+                  <a:pPr algn="ctr"/>
+                  <a:r>
+                    <a:rPr lang="en-US" sz="1100" spc="300" dirty="0"/>
+                    <a:t>BACKEND</a:t>
+                  </a:r>
+                </a:p>
+              </p:txBody>
+            </p:sp>
+            <p:sp>
+              <p:nvSpPr>
+                <p:cNvPr id="92" name="Rettangolo con angoli arrotondati 91">
+                  <a:extLst>
+                    <a:ext uri="{FF2B5EF4-FFF2-40B4-BE49-F238E27FC236}">
+                      <a16:creationId xmlns:a16="http://schemas.microsoft.com/office/drawing/2014/main" id="{AB0D82A4-9697-306F-B703-944DDD80CAB2}"/>
+                    </a:ext>
+                  </a:extLst>
+                </p:cNvPr>
+                <p:cNvSpPr/>
+                <p:nvPr/>
+              </p:nvSpPr>
+              <p:spPr>
+                <a:xfrm>
+                  <a:off x="175222" y="2130076"/>
+                  <a:ext cx="1428964" cy="1898099"/>
+                </a:xfrm>
+                <a:prstGeom prst="roundRect">
+                  <a:avLst>
+                    <a:gd name="adj" fmla="val 7027"/>
+                  </a:avLst>
+                </a:prstGeom>
+                <a:noFill/>
+                <a:ln w="28575">
+                  <a:solidFill>
+                    <a:schemeClr val="tx1"/>
+                  </a:solidFill>
+                </a:ln>
+              </p:spPr>
+              <p:style>
+                <a:lnRef idx="2">
+                  <a:schemeClr val="accent1">
+                    <a:shade val="15000"/>
+                  </a:schemeClr>
+                </a:lnRef>
+                <a:fillRef idx="1">
+                  <a:schemeClr val="accent1"/>
+                </a:fillRef>
+                <a:effectRef idx="0">
+                  <a:schemeClr val="accent1"/>
+                </a:effectRef>
+                <a:fontRef idx="minor">
+                  <a:schemeClr val="lt1"/>
+                </a:fontRef>
+              </p:style>
+              <p:txBody>
+                <a:bodyPr rtlCol="0" anchor="ctr"/>
+                <a:lstStyle/>
+                <a:p>
+                  <a:pPr algn="ctr"/>
+                  <a:endParaRPr lang="it-IT" dirty="0"/>
+                </a:p>
+              </p:txBody>
+            </p:sp>
+            <p:pic>
+              <p:nvPicPr>
+                <p:cNvPr id="94" name="Picture 14" descr="Java (programming language) - Wikipedia">
+                  <a:extLst>
+                    <a:ext uri="{FF2B5EF4-FFF2-40B4-BE49-F238E27FC236}">
+                      <a16:creationId xmlns:a16="http://schemas.microsoft.com/office/drawing/2014/main" id="{07297516-D113-307C-E9B0-4DE81A929056}"/>
+                    </a:ext>
+                  </a:extLst>
+                </p:cNvPr>
+                <p:cNvPicPr>
+                  <a:picLocks noChangeAspect="1" noChangeArrowheads="1"/>
+                </p:cNvPicPr>
+                <p:nvPr/>
+              </p:nvPicPr>
+              <p:blipFill>
+                <a:blip r:embed="rId8">
+                  <a:extLst>
+                    <a:ext uri="{28A0092B-C50C-407E-A947-70E740481C1C}">
+                      <a14:useLocalDpi xmlns:a14="http://schemas.microsoft.com/office/drawing/2010/main" val="0"/>
+                    </a:ext>
+                  </a:extLst>
+                </a:blip>
+                <a:srcRect/>
+                <a:stretch>
+                  <a:fillRect/>
+                </a:stretch>
+              </p:blipFill>
+              <p:spPr bwMode="auto">
+                <a:xfrm>
+                  <a:off x="534594" y="2262013"/>
+                  <a:ext cx="710221" cy="1302274"/>
+                </a:xfrm>
+                <a:prstGeom prst="rect">
+                  <a:avLst/>
+                </a:prstGeom>
+                <a:noFill/>
+                <a:extLst>
+                  <a:ext uri="{909E8E84-426E-40DD-AFC4-6F175D3DCCD1}">
+                    <a14:hiddenFill xmlns:a14="http://schemas.microsoft.com/office/drawing/2010/main">
+                      <a:solidFill>
+                        <a:srgbClr val="FFFFFF"/>
+                      </a:solidFill>
+                    </a14:hiddenFill>
+                  </a:ext>
+                </a:extLst>
+              </p:spPr>
+            </p:pic>
+          </p:grpSp>
+        </p:grpSp>
+        <p:cxnSp>
+          <p:nvCxnSpPr>
+            <p:cNvPr id="109" name="Connettore a gomito 97">
+              <a:extLst>
+                <a:ext uri="{FF2B5EF4-FFF2-40B4-BE49-F238E27FC236}">
+                  <a16:creationId xmlns:a16="http://schemas.microsoft.com/office/drawing/2014/main" id="{F8E26390-EBB9-6319-D03D-BF28E715BB24}"/>
+                </a:ext>
+              </a:extLst>
+            </p:cNvPr>
+            <p:cNvCxnSpPr>
+              <a:cxnSpLocks/>
+              <a:stCxn id="88" idx="3"/>
+              <a:endCxn id="92" idx="1"/>
+            </p:cNvCxnSpPr>
+            <p:nvPr/>
+          </p:nvCxnSpPr>
+          <p:spPr>
+            <a:xfrm>
+              <a:off x="5719411" y="2186206"/>
+              <a:ext cx="964772" cy="0"/>
+            </a:xfrm>
+            <a:prstGeom prst="straightConnector1">
+              <a:avLst/>
+            </a:prstGeom>
+            <a:ln>
+              <a:solidFill>
+                <a:schemeClr val="tx1"/>
+              </a:solidFill>
+            </a:ln>
+          </p:spPr>
+          <p:style>
+            <a:lnRef idx="2">
+              <a:schemeClr val="accent1"/>
+            </a:lnRef>
+            <a:fillRef idx="0">
+              <a:schemeClr val="accent1"/>
+            </a:fillRef>
+            <a:effectRef idx="1">
+              <a:schemeClr val="accent1"/>
+            </a:effectRef>
+            <a:fontRef idx="minor">
+              <a:schemeClr val="tx1"/>
+            </a:fontRef>
+          </p:style>
+        </p:cxnSp>
+      </p:grpSp>
+    </p:spTree>
+    <p:extLst>
+      <p:ext uri="{BB962C8B-B14F-4D97-AF65-F5344CB8AC3E}">
+        <p14:creationId xmlns:p14="http://schemas.microsoft.com/office/powerpoint/2010/main" val="3575535340"/>
+      </p:ext>
+    </p:extLst>
+  </p:cSld>
+  <p:clrMapOvr>
+    <a:masterClrMapping/>
+  </p:clrMapOvr>
+</p:sld>
+</file>
+
 <file path=ppt/theme/theme1.xml><?xml version="1.0" encoding="utf-8"?>
 <a:theme xmlns:a="http://schemas.openxmlformats.org/drawingml/2006/main" name="Tema di Office">
   <a:themeElements>
